--- a/src/main/resources/content/ppt-templates/design5.pptx
+++ b/src/main/resources/content/ppt-templates/design5.pptx
@@ -2,27 +2,27 @@
 <file path=ppt/presentation.xml><?xml version="1.0" encoding="utf-8"?>
 <p:presentation xmlns:a="http://schemas.openxmlformats.org/drawingml/2006/main" xmlns:r="http://schemas.openxmlformats.org/officeDocument/2006/relationships" xmlns:p="http://schemas.openxmlformats.org/presentationml/2006/main" showSpecialPlsOnTitleSld="0" removePersonalInfoOnSave="1" saveSubsetFonts="1" autoCompressPictures="0">
   <p:sldMasterIdLst>
-    <p:sldMasterId id="2147483684" r:id="rId1"/>
+    <p:sldMasterId id="2147483684" r:id="rId4"/>
   </p:sldMasterIdLst>
   <p:notesMasterIdLst>
-    <p:notesMasterId r:id="rId14"/>
+    <p:notesMasterId r:id="rId17"/>
   </p:notesMasterIdLst>
   <p:handoutMasterIdLst>
-    <p:handoutMasterId r:id="rId15"/>
+    <p:handoutMasterId r:id="rId18"/>
   </p:handoutMasterIdLst>
   <p:sldIdLst>
-    <p:sldId id="256" r:id="rId2"/>
-    <p:sldId id="257" r:id="rId3"/>
-    <p:sldId id="330" r:id="rId4"/>
-    <p:sldId id="305" r:id="rId5"/>
-    <p:sldId id="339" r:id="rId6"/>
-    <p:sldId id="335" r:id="rId7"/>
-    <p:sldId id="340" r:id="rId8"/>
-    <p:sldId id="274" r:id="rId9"/>
-    <p:sldId id="341" r:id="rId10"/>
-    <p:sldId id="342" r:id="rId11"/>
-    <p:sldId id="336" r:id="rId12"/>
-    <p:sldId id="332" r:id="rId13"/>
+    <p:sldId id="256" r:id="rId5"/>
+    <p:sldId id="257" r:id="rId6"/>
+    <p:sldId id="330" r:id="rId7"/>
+    <p:sldId id="305" r:id="rId8"/>
+    <p:sldId id="339" r:id="rId9"/>
+    <p:sldId id="335" r:id="rId10"/>
+    <p:sldId id="340" r:id="rId11"/>
+    <p:sldId id="274" r:id="rId12"/>
+    <p:sldId id="341" r:id="rId13"/>
+    <p:sldId id="342" r:id="rId14"/>
+    <p:sldId id="336" r:id="rId15"/>
+    <p:sldId id="332" r:id="rId16"/>
   </p:sldIdLst>
   <p:sldSz cx="12192000" cy="6858000"/>
   <p:notesSz cx="6858000" cy="9144000"/>
@@ -143,7 +143,7 @@
 </p:presentation>
 </file>
 
-<file path=ppt/diagrams/colors11.xml><?xml version="1.0" encoding="utf-8"?>
+<file path=ppt/diagrams/colors1.xml><?xml version="1.0" encoding="utf-8"?>
 <dgm:colorsDef xmlns:dgm="http://schemas.openxmlformats.org/drawingml/2006/diagram" xmlns:a="http://schemas.openxmlformats.org/drawingml/2006/main" uniqueId="urn:microsoft.com/office/officeart/2005/8/colors/accent2_5">
   <dgm:title val=""/>
   <dgm:desc val=""/>
@@ -1023,7 +1023,7 @@
 </dgm:colorsDef>
 </file>
 
-<file path=ppt/diagrams/data11.xml><?xml version="1.0" encoding="utf-8"?>
+<file path=ppt/diagrams/data1.xml><?xml version="1.0" encoding="utf-8"?>
 <dgm:dataModel xmlns:dgm="http://schemas.openxmlformats.org/drawingml/2006/diagram" xmlns:a="http://schemas.openxmlformats.org/drawingml/2006/main">
   <dgm:ptLst>
     <dgm:pt modelId="{FF3CD410-5E2E-4080-A893-907D31D22CB3}" type="doc">
@@ -1790,9 +1790,9 @@
     <dgm:cxn modelId="{4F0EAB3D-D6DC-4270-A428-F626A2666D2A}" type="presOf" srcId="{8A93A940-284B-49B0-9D89-5FA2B3B3C7E5}" destId="{A7F04B95-81DC-4C70-990B-FEE82F4C63E7}" srcOrd="0" destOrd="0" presId="urn:microsoft.com/office/officeart/2017/3/layout/HorizontalLabelsTimeline"/>
     <dgm:cxn modelId="{982D7B44-1518-4DD0-82D4-8A3901DD95E9}" srcId="{FF3CD410-5E2E-4080-A893-907D31D22CB3}" destId="{8A93A940-284B-49B0-9D89-5FA2B3B3C7E5}" srcOrd="2" destOrd="0" parTransId="{CD96219D-3688-4138-ACC9-901ED9FEACCC}" sibTransId="{E0447E4A-3C15-4884-AEBE-804149EBD331}"/>
     <dgm:cxn modelId="{806EAB44-63AA-464E-AE88-604149F91859}" srcId="{BF5CD713-2E7F-4FA2-A365-0158844247C1}" destId="{71E65531-AFB8-400F-8A0E-3D2D8EB02527}" srcOrd="0" destOrd="0" parTransId="{CDBCD6FE-99D6-4D1C-ACCC-ACD1054C98A6}" sibTransId="{C5802CBE-AD20-4AAE-8010-3C10BC564C65}"/>
+    <dgm:cxn modelId="{935F274E-0D61-4EDD-92A7-9CA37702DC15}" type="presOf" srcId="{2DC4903D-31E8-4ED6-875F-63877788B702}" destId="{270971D8-F05B-4392-88C0-D9921BB5F6B0}" srcOrd="0" destOrd="0" presId="urn:microsoft.com/office/officeart/2017/3/layout/HorizontalLabelsTimeline"/>
     <dgm:cxn modelId="{063B7E65-C8C7-4BC7-B7D8-3E116985E120}" srcId="{FF3CD410-5E2E-4080-A893-907D31D22CB3}" destId="{B7EAF83C-E1E2-4060-A15C-5B683F5ABDB6}" srcOrd="3" destOrd="0" parTransId="{0F3BE3E5-5F26-4F55-8287-A3DAF6BD4A08}" sibTransId="{416A6271-B608-4CBB-91A0-4462E64B7A8D}"/>
     <dgm:cxn modelId="{A319CB69-6926-431D-A805-EACBFA83FA66}" srcId="{FF3CD410-5E2E-4080-A893-907D31D22CB3}" destId="{2DC4903D-31E8-4ED6-875F-63877788B702}" srcOrd="1" destOrd="0" parTransId="{A18F8C20-9A13-44DB-9E45-C2DE49ACE5D9}" sibTransId="{EBFDEA83-93E5-4D72-A672-078838B258F5}"/>
-    <dgm:cxn modelId="{935F274E-0D61-4EDD-92A7-9CA37702DC15}" type="presOf" srcId="{2DC4903D-31E8-4ED6-875F-63877788B702}" destId="{270971D8-F05B-4392-88C0-D9921BB5F6B0}" srcOrd="0" destOrd="0" presId="urn:microsoft.com/office/officeart/2017/3/layout/HorizontalLabelsTimeline"/>
     <dgm:cxn modelId="{24FE186F-F804-46F5-9C2D-96C1655A06BB}" type="presOf" srcId="{FF3CD410-5E2E-4080-A893-907D31D22CB3}" destId="{687CC7BD-79EF-4A0F-BDD3-809BFA49E6BE}" srcOrd="0" destOrd="0" presId="urn:microsoft.com/office/officeart/2017/3/layout/HorizontalLabelsTimeline"/>
     <dgm:cxn modelId="{BA2DD993-022F-4520-8145-F97D2ECD09C4}" type="presOf" srcId="{0F28F38F-17E7-44A8-973E-FC94684377B5}" destId="{F7B633A7-D926-4CBC-87D6-CC10E20E0F4C}" srcOrd="0" destOrd="0" presId="urn:microsoft.com/office/officeart/2017/3/layout/HorizontalLabelsTimeline"/>
     <dgm:cxn modelId="{6AEB3B94-8522-4F42-A6BC-BC55C5AED92F}" srcId="{8A93A940-284B-49B0-9D89-5FA2B3B3C7E5}" destId="{6BA5F3BE-D53A-42E0-A7FE-674B99BD07E6}" srcOrd="0" destOrd="0" parTransId="{9484BBA1-86EE-4AA2-B94A-A26EED0EFB1E}" sibTransId="{48C67DB7-8AA6-454C-83AE-A16B3B9F45FF}"/>
@@ -3189,7 +3189,7 @@
 </dsp:drawing>
 </file>
 
-<file path=ppt/diagrams/layout11.xml><?xml version="1.0" encoding="utf-8"?>
+<file path=ppt/diagrams/layout1.xml><?xml version="1.0" encoding="utf-8"?>
 <dgm:layoutDef xmlns:dgm="http://schemas.openxmlformats.org/drawingml/2006/diagram" xmlns:a="http://schemas.openxmlformats.org/drawingml/2006/main" uniqueId="urn:microsoft.com/office/officeart/2017/3/layout/HorizontalLabelsTimeline">
   <dgm:title val="Horizontal Labels Timeline"/>
   <dgm:desc val="Use to show a list of events in chronological order. The rectangular shape contains the description while the date is shown immediately below. It can display a large amount of text and medium length date format."/>
@@ -3556,7 +3556,7 @@
 </dgm:layoutDef>
 </file>
 
-<file path=ppt/diagrams/quickStyle11.xml><?xml version="1.0" encoding="utf-8"?>
+<file path=ppt/diagrams/quickStyle1.xml><?xml version="1.0" encoding="utf-8"?>
 <dgm:styleDef xmlns:dgm="http://schemas.openxmlformats.org/drawingml/2006/diagram" xmlns:a="http://schemas.openxmlformats.org/drawingml/2006/main" uniqueId="urn:microsoft.com/office/officeart/2005/8/quickstyle/simple1">
   <dgm:title val=""/>
   <dgm:desc val=""/>
@@ -4590,7 +4590,7 @@
 </dgm:styleDef>
 </file>
 
-<file path=ppt/handoutMasters/handoutMaster11.xml><?xml version="1.0" encoding="utf-8"?>
+<file path=ppt/handoutMasters/handoutMaster1.xml><?xml version="1.0" encoding="utf-8"?>
 <p:handoutMaster xmlns:a="http://schemas.openxmlformats.org/drawingml/2006/main" xmlns:r="http://schemas.openxmlformats.org/officeDocument/2006/relationships" xmlns:p="http://schemas.openxmlformats.org/presentationml/2006/main">
   <p:cSld>
     <p:bg>
@@ -4684,7 +4684,7 @@
           <a:p>
             <a:fld id="{187C06C4-C5A6-48FB-97F5-B20A44F857E9}" type="datetimeFigureOut">
               <a:rPr lang="en-US" smtClean="0"/>
-              <a:t>3/4/2021</a:t>
+              <a:t>7/31/23</a:t>
             </a:fld>
             <a:endParaRPr lang="en-US"/>
           </a:p>
@@ -4779,7 +4779,7 @@
 </p:handoutMaster>
 </file>
 
-<file path=ppt/notesMasters/notesMaster11.xml><?xml version="1.0" encoding="utf-8"?>
+<file path=ppt/notesMasters/notesMaster1.xml><?xml version="1.0" encoding="utf-8"?>
 <p:notesMaster xmlns:a="http://schemas.openxmlformats.org/drawingml/2006/main" xmlns:r="http://schemas.openxmlformats.org/officeDocument/2006/relationships" xmlns:p="http://schemas.openxmlformats.org/presentationml/2006/main">
   <p:cSld>
     <p:bg>
@@ -4861,7 +4861,7 @@
           <a:p>
             <a:fld id="{F8F2B2CC-0155-4E5E-A890-531D58ADF5B2}" type="datetimeFigureOut">
               <a:rPr lang="en-US" smtClean="0"/>
-              <a:t>3/4/2021</a:t>
+              <a:t>7/31/23</a:t>
             </a:fld>
             <a:endParaRPr lang="en-US"/>
           </a:p>
@@ -5128,7 +5128,7 @@
 </p:notesMaster>
 </file>
 
-<file path=ppt/notesSlides/notesSlide11.xml><?xml version="1.0" encoding="utf-8"?>
+<file path=ppt/notesSlides/notesSlide1.xml><?xml version="1.0" encoding="utf-8"?>
 <p:notes xmlns:a="http://schemas.openxmlformats.org/drawingml/2006/main" xmlns:r="http://schemas.openxmlformats.org/officeDocument/2006/relationships" xmlns:p="http://schemas.openxmlformats.org/presentationml/2006/main">
   <p:cSld>
     <p:spTree>
@@ -5212,7 +5212,561 @@
 </p:notes>
 </file>
 
-<file path=ppt/slideLayouts/slideLayout1015.xml><?xml version="1.0" encoding="utf-8"?>
+<file path=ppt/slideLayouts/slideLayout1.xml><?xml version="1.0" encoding="utf-8"?>
+<p:sldLayout xmlns:a="http://schemas.openxmlformats.org/drawingml/2006/main" xmlns:r="http://schemas.openxmlformats.org/officeDocument/2006/relationships" xmlns:p="http://schemas.openxmlformats.org/presentationml/2006/main" preserve="1" userDrawn="1">
+  <p:cSld name="Title">
+    <p:spTree>
+      <p:nvGrpSpPr>
+        <p:cNvPr id="1" name=""/>
+        <p:cNvGrpSpPr/>
+        <p:nvPr/>
+      </p:nvGrpSpPr>
+      <p:grpSpPr>
+        <a:xfrm>
+          <a:off x="0" y="0"/>
+          <a:ext cx="0" cy="0"/>
+          <a:chOff x="0" y="0"/>
+          <a:chExt cx="0" cy="0"/>
+        </a:xfrm>
+      </p:grpSpPr>
+      <p:sp useBgFill="1">
+        <p:nvSpPr>
+          <p:cNvPr id="11" name="Rectangle 10">
+            <a:extLst>
+              <a:ext uri="{FF2B5EF4-FFF2-40B4-BE49-F238E27FC236}">
+                <a16:creationId xmlns:a16="http://schemas.microsoft.com/office/drawing/2014/main" id="{B3FB0C32-F044-4939-92E4-8BA39B7A391A}"/>
+              </a:ext>
+              <a:ext uri="{C183D7F6-B498-43B3-948B-1728B52AA6E4}">
+                <adec:decorative xmlns:adec="http://schemas.microsoft.com/office/drawing/2017/decorative" val="1"/>
+              </a:ext>
+            </a:extLst>
+          </p:cNvPr>
+          <p:cNvSpPr/>
+          <p:nvPr userDrawn="1"/>
+        </p:nvSpPr>
+        <p:spPr>
+          <a:xfrm>
+            <a:off x="3050" y="-663"/>
+            <a:ext cx="12188952" cy="6858000"/>
+          </a:xfrm>
+          <a:prstGeom prst="rect">
+            <a:avLst/>
+          </a:prstGeom>
+          <a:ln>
+            <a:noFill/>
+          </a:ln>
+        </p:spPr>
+        <p:style>
+          <a:lnRef idx="2">
+            <a:schemeClr val="accent1">
+              <a:shade val="50000"/>
+            </a:schemeClr>
+          </a:lnRef>
+          <a:fillRef idx="1">
+            <a:schemeClr val="accent1"/>
+          </a:fillRef>
+          <a:effectRef idx="0">
+            <a:schemeClr val="accent1"/>
+          </a:effectRef>
+          <a:fontRef idx="minor">
+            <a:schemeClr val="lt1"/>
+          </a:fontRef>
+        </p:style>
+        <p:txBody>
+          <a:bodyPr rtlCol="0" anchor="ctr"/>
+          <a:lstStyle/>
+          <a:p>
+            <a:pPr algn="ctr"/>
+            <a:endParaRPr lang="en-US"/>
+          </a:p>
+        </p:txBody>
+      </p:sp>
+      <p:sp>
+        <p:nvSpPr>
+          <p:cNvPr id="12" name="Rectangle 11">
+            <a:extLst>
+              <a:ext uri="{FF2B5EF4-FFF2-40B4-BE49-F238E27FC236}">
+                <a16:creationId xmlns:a16="http://schemas.microsoft.com/office/drawing/2014/main" id="{6584BE8A-3E34-4967-9E7C-13EC8F6A990A}"/>
+              </a:ext>
+              <a:ext uri="{C183D7F6-B498-43B3-948B-1728B52AA6E4}">
+                <adec:decorative xmlns:adec="http://schemas.microsoft.com/office/drawing/2017/decorative" val="1"/>
+              </a:ext>
+            </a:extLst>
+          </p:cNvPr>
+          <p:cNvSpPr/>
+          <p:nvPr userDrawn="1"/>
+        </p:nvSpPr>
+        <p:spPr>
+          <a:xfrm>
+            <a:off x="3050" y="-663"/>
+            <a:ext cx="12188952" cy="6858000"/>
+          </a:xfrm>
+          <a:prstGeom prst="rect">
+            <a:avLst/>
+          </a:prstGeom>
+          <a:gradFill flip="none" rotWithShape="1">
+            <a:gsLst>
+              <a:gs pos="0">
+                <a:schemeClr val="accent2">
+                  <a:alpha val="60000"/>
+                </a:schemeClr>
+              </a:gs>
+              <a:gs pos="100000">
+                <a:schemeClr val="accent1">
+                  <a:alpha val="60000"/>
+                </a:schemeClr>
+              </a:gs>
+            </a:gsLst>
+            <a:lin ang="2700000" scaled="1"/>
+            <a:tileRect/>
+          </a:gradFill>
+          <a:ln>
+            <a:noFill/>
+          </a:ln>
+        </p:spPr>
+        <p:style>
+          <a:lnRef idx="2">
+            <a:schemeClr val="accent1">
+              <a:shade val="50000"/>
+            </a:schemeClr>
+          </a:lnRef>
+          <a:fillRef idx="1">
+            <a:schemeClr val="accent1"/>
+          </a:fillRef>
+          <a:effectRef idx="0">
+            <a:schemeClr val="accent1"/>
+          </a:effectRef>
+          <a:fontRef idx="minor">
+            <a:schemeClr val="lt1"/>
+          </a:fontRef>
+        </p:style>
+        <p:txBody>
+          <a:bodyPr rtlCol="0" anchor="ctr"/>
+          <a:lstStyle/>
+          <a:p>
+            <a:pPr algn="ctr"/>
+            <a:endParaRPr lang="en-US"/>
+          </a:p>
+        </p:txBody>
+      </p:sp>
+      <p:sp>
+        <p:nvSpPr>
+          <p:cNvPr id="13" name="Rectangle 12">
+            <a:extLst>
+              <a:ext uri="{FF2B5EF4-FFF2-40B4-BE49-F238E27FC236}">
+                <a16:creationId xmlns:a16="http://schemas.microsoft.com/office/drawing/2014/main" id="{99BFF676-EC35-4FFD-8894-CA4F2830700A}"/>
+              </a:ext>
+              <a:ext uri="{C183D7F6-B498-43B3-948B-1728B52AA6E4}">
+                <adec:decorative xmlns:adec="http://schemas.microsoft.com/office/drawing/2017/decorative" val="1"/>
+              </a:ext>
+            </a:extLst>
+          </p:cNvPr>
+          <p:cNvSpPr/>
+          <p:nvPr userDrawn="1"/>
+        </p:nvSpPr>
+        <p:spPr>
+          <a:xfrm>
+            <a:off x="3050" y="0"/>
+            <a:ext cx="12188952" cy="6858000"/>
+          </a:xfrm>
+          <a:prstGeom prst="rect">
+            <a:avLst/>
+          </a:prstGeom>
+          <a:solidFill>
+            <a:schemeClr val="bg2">
+              <a:alpha val="20000"/>
+            </a:schemeClr>
+          </a:solidFill>
+          <a:ln>
+            <a:noFill/>
+          </a:ln>
+        </p:spPr>
+        <p:style>
+          <a:lnRef idx="2">
+            <a:schemeClr val="accent1">
+              <a:shade val="50000"/>
+            </a:schemeClr>
+          </a:lnRef>
+          <a:fillRef idx="1">
+            <a:schemeClr val="accent1"/>
+          </a:fillRef>
+          <a:effectRef idx="0">
+            <a:schemeClr val="accent1"/>
+          </a:effectRef>
+          <a:fontRef idx="minor">
+            <a:schemeClr val="lt1"/>
+          </a:fontRef>
+        </p:style>
+        <p:txBody>
+          <a:bodyPr rtlCol="0" anchor="ctr"/>
+          <a:lstStyle/>
+          <a:p>
+            <a:pPr algn="ctr"/>
+            <a:endParaRPr lang="en-US" dirty="0"/>
+          </a:p>
+        </p:txBody>
+      </p:sp>
+      <p:sp>
+        <p:nvSpPr>
+          <p:cNvPr id="14" name="Oval 13">
+            <a:extLst>
+              <a:ext uri="{FF2B5EF4-FFF2-40B4-BE49-F238E27FC236}">
+                <a16:creationId xmlns:a16="http://schemas.microsoft.com/office/drawing/2014/main" id="{32DA1557-E095-4C82-B659-3AF550080BB1}"/>
+              </a:ext>
+              <a:ext uri="{C183D7F6-B498-43B3-948B-1728B52AA6E4}">
+                <adec:decorative xmlns:adec="http://schemas.microsoft.com/office/drawing/2017/decorative" val="1"/>
+              </a:ext>
+            </a:extLst>
+          </p:cNvPr>
+          <p:cNvSpPr/>
+          <p:nvPr userDrawn="1"/>
+        </p:nvSpPr>
+        <p:spPr>
+          <a:xfrm rot="16200000">
+            <a:off x="2746250" y="-663"/>
+            <a:ext cx="6857999" cy="6857998"/>
+          </a:xfrm>
+          <a:prstGeom prst="ellipse">
+            <a:avLst/>
+          </a:prstGeom>
+          <a:gradFill>
+            <a:gsLst>
+              <a:gs pos="0">
+                <a:schemeClr val="accent1">
+                  <a:lumMod val="20000"/>
+                  <a:lumOff val="80000"/>
+                  <a:alpha val="40000"/>
+                </a:schemeClr>
+              </a:gs>
+              <a:gs pos="100000">
+                <a:schemeClr val="accent1">
+                  <a:alpha val="40000"/>
+                </a:schemeClr>
+              </a:gs>
+            </a:gsLst>
+            <a:lin ang="2700000" scaled="1"/>
+          </a:gradFill>
+          <a:ln>
+            <a:noFill/>
+          </a:ln>
+          <a:effectLst>
+            <a:softEdge rad="520700"/>
+          </a:effectLst>
+        </p:spPr>
+        <p:style>
+          <a:lnRef idx="2">
+            <a:schemeClr val="accent1">
+              <a:shade val="50000"/>
+            </a:schemeClr>
+          </a:lnRef>
+          <a:fillRef idx="1">
+            <a:schemeClr val="accent1"/>
+          </a:fillRef>
+          <a:effectRef idx="0">
+            <a:schemeClr val="accent1"/>
+          </a:effectRef>
+          <a:fontRef idx="minor">
+            <a:schemeClr val="lt1"/>
+          </a:fontRef>
+        </p:style>
+        <p:txBody>
+          <a:bodyPr rtlCol="0" anchor="ctr"/>
+          <a:lstStyle/>
+          <a:p>
+            <a:pPr algn="ctr"/>
+            <a:endParaRPr lang="en-US" dirty="0"/>
+          </a:p>
+        </p:txBody>
+      </p:sp>
+      <p:sp>
+        <p:nvSpPr>
+          <p:cNvPr id="15" name="Oval 14">
+            <a:extLst>
+              <a:ext uri="{FF2B5EF4-FFF2-40B4-BE49-F238E27FC236}">
+                <a16:creationId xmlns:a16="http://schemas.microsoft.com/office/drawing/2014/main" id="{9F34E5EF-94D7-4AE0-BDD1-81A3ECDE614C}"/>
+              </a:ext>
+              <a:ext uri="{C183D7F6-B498-43B3-948B-1728B52AA6E4}">
+                <adec:decorative xmlns:adec="http://schemas.microsoft.com/office/drawing/2017/decorative" val="1"/>
+              </a:ext>
+            </a:extLst>
+          </p:cNvPr>
+          <p:cNvSpPr/>
+          <p:nvPr userDrawn="1"/>
+        </p:nvSpPr>
+        <p:spPr>
+          <a:xfrm rot="16200000">
+            <a:off x="77040" y="1193411"/>
+            <a:ext cx="5589934" cy="5737916"/>
+          </a:xfrm>
+          <a:prstGeom prst="ellipse">
+            <a:avLst/>
+          </a:prstGeom>
+          <a:gradFill>
+            <a:gsLst>
+              <a:gs pos="0">
+                <a:schemeClr val="accent1">
+                  <a:alpha val="40000"/>
+                </a:schemeClr>
+              </a:gs>
+              <a:gs pos="100000">
+                <a:schemeClr val="accent5">
+                  <a:alpha val="20000"/>
+                </a:schemeClr>
+              </a:gs>
+            </a:gsLst>
+            <a:lin ang="2700000" scaled="1"/>
+          </a:gradFill>
+          <a:ln>
+            <a:noFill/>
+          </a:ln>
+          <a:effectLst>
+            <a:softEdge rad="952500"/>
+          </a:effectLst>
+        </p:spPr>
+        <p:style>
+          <a:lnRef idx="2">
+            <a:schemeClr val="accent1">
+              <a:shade val="50000"/>
+            </a:schemeClr>
+          </a:lnRef>
+          <a:fillRef idx="1">
+            <a:schemeClr val="accent1"/>
+          </a:fillRef>
+          <a:effectRef idx="0">
+            <a:schemeClr val="accent1"/>
+          </a:effectRef>
+          <a:fontRef idx="minor">
+            <a:schemeClr val="lt1"/>
+          </a:fontRef>
+        </p:style>
+        <p:txBody>
+          <a:bodyPr rtlCol="0" anchor="ctr"/>
+          <a:lstStyle/>
+          <a:p>
+            <a:pPr algn="ctr"/>
+            <a:endParaRPr lang="en-US" dirty="0"/>
+          </a:p>
+        </p:txBody>
+      </p:sp>
+      <p:sp>
+        <p:nvSpPr>
+          <p:cNvPr id="16" name="Oval 15">
+            <a:extLst>
+              <a:ext uri="{FF2B5EF4-FFF2-40B4-BE49-F238E27FC236}">
+                <a16:creationId xmlns:a16="http://schemas.microsoft.com/office/drawing/2014/main" id="{D829E57E-3199-4AAA-B2D5-F93264FDA0B5}"/>
+              </a:ext>
+              <a:ext uri="{C183D7F6-B498-43B3-948B-1728B52AA6E4}">
+                <adec:decorative xmlns:adec="http://schemas.microsoft.com/office/drawing/2017/decorative" val="1"/>
+              </a:ext>
+            </a:extLst>
+          </p:cNvPr>
+          <p:cNvSpPr/>
+          <p:nvPr userDrawn="1"/>
+        </p:nvSpPr>
+        <p:spPr>
+          <a:xfrm rot="16200000">
+            <a:off x="6442672" y="193606"/>
+            <a:ext cx="5760743" cy="5737917"/>
+          </a:xfrm>
+          <a:prstGeom prst="ellipse">
+            <a:avLst/>
+          </a:prstGeom>
+          <a:gradFill>
+            <a:gsLst>
+              <a:gs pos="0">
+                <a:schemeClr val="accent1">
+                  <a:alpha val="20000"/>
+                </a:schemeClr>
+              </a:gs>
+              <a:gs pos="100000">
+                <a:schemeClr val="accent5">
+                  <a:alpha val="40000"/>
+                </a:schemeClr>
+              </a:gs>
+            </a:gsLst>
+            <a:lin ang="2700000" scaled="1"/>
+          </a:gradFill>
+          <a:ln>
+            <a:noFill/>
+          </a:ln>
+          <a:effectLst>
+            <a:softEdge rad="1003300"/>
+          </a:effectLst>
+        </p:spPr>
+        <p:style>
+          <a:lnRef idx="2">
+            <a:schemeClr val="accent1">
+              <a:shade val="50000"/>
+            </a:schemeClr>
+          </a:lnRef>
+          <a:fillRef idx="1">
+            <a:schemeClr val="accent1"/>
+          </a:fillRef>
+          <a:effectRef idx="0">
+            <a:schemeClr val="accent1"/>
+          </a:effectRef>
+          <a:fontRef idx="minor">
+            <a:schemeClr val="lt1"/>
+          </a:fontRef>
+        </p:style>
+        <p:txBody>
+          <a:bodyPr rtlCol="0" anchor="ctr"/>
+          <a:lstStyle/>
+          <a:p>
+            <a:pPr algn="ctr"/>
+            <a:endParaRPr lang="en-US" dirty="0"/>
+          </a:p>
+        </p:txBody>
+      </p:sp>
+      <p:pic>
+        <p:nvPicPr>
+          <p:cNvPr id="17" name="Picture 16" descr="Tag=CustomerPhoto&#10;Crop=1&#10;Align=N/A">
+            <a:extLst>
+              <a:ext uri="{FF2B5EF4-FFF2-40B4-BE49-F238E27FC236}">
+                <a16:creationId xmlns:a16="http://schemas.microsoft.com/office/drawing/2014/main" id="{8A791822-0971-4E61-A5E4-9AAD258F58E3}"/>
+              </a:ext>
+            </a:extLst>
+          </p:cNvPr>
+          <p:cNvPicPr>
+            <a:picLocks/>
+          </p:cNvPicPr>
+          <p:nvPr userDrawn="1"/>
+        </p:nvPicPr>
+        <p:blipFill>
+          <a:blip r:embed="rId2">
+            <a:alphaModFix amt="20000"/>
+            <a:extLst>
+              <a:ext uri="{28A0092B-C50C-407E-A947-70E740481C1C}">
+                <a14:useLocalDpi xmlns:a14="http://schemas.microsoft.com/office/drawing/2010/main" val="0"/>
+              </a:ext>
+            </a:extLst>
+          </a:blip>
+          <a:stretch>
+            <a:fillRect/>
+          </a:stretch>
+        </p:blipFill>
+        <p:spPr>
+          <a:xfrm>
+            <a:off x="3048" y="-663"/>
+            <a:ext cx="12188952" cy="6858000"/>
+          </a:xfrm>
+          <a:prstGeom prst="rect">
+            <a:avLst/>
+          </a:prstGeom>
+        </p:spPr>
+      </p:pic>
+      <p:sp>
+        <p:nvSpPr>
+          <p:cNvPr id="18" name="Title 1">
+            <a:extLst>
+              <a:ext uri="{FF2B5EF4-FFF2-40B4-BE49-F238E27FC236}">
+                <a16:creationId xmlns:a16="http://schemas.microsoft.com/office/drawing/2014/main" id="{B86D7D99-F789-4EDA-861D-B6B994F05F1D}"/>
+              </a:ext>
+            </a:extLst>
+          </p:cNvPr>
+          <p:cNvSpPr>
+            <a:spLocks noGrp="1"/>
+          </p:cNvSpPr>
+          <p:nvPr>
+            <p:ph type="ctrTitle"/>
+          </p:nvPr>
+        </p:nvSpPr>
+        <p:spPr>
+          <a:xfrm>
+            <a:off x="1527050" y="1121700"/>
+            <a:ext cx="9144000" cy="2387600"/>
+          </a:xfrm>
+        </p:spPr>
+        <p:txBody>
+          <a:bodyPr/>
+          <a:lstStyle>
+            <a:lvl1pPr algn="ctr">
+              <a:defRPr>
+                <a:solidFill>
+                  <a:schemeClr val="bg1"/>
+                </a:solidFill>
+              </a:defRPr>
+            </a:lvl1pPr>
+          </a:lstStyle>
+          <a:p>
+            <a:endParaRPr lang="en-US" dirty="0">
+              <a:solidFill>
+                <a:srgbClr val="FFFFFF"/>
+              </a:solidFill>
+              <a:effectLst>
+                <a:outerShdw blurRad="38100" dist="38100" dir="2700000" algn="tl">
+                  <a:srgbClr val="000000">
+                    <a:alpha val="43137"/>
+                  </a:srgbClr>
+                </a:outerShdw>
+              </a:effectLst>
+              <a:ea typeface="Cambria" panose="02040503050406030204" pitchFamily="18" charset="0"/>
+              <a:cs typeface="Sabon Next LT" panose="020B0502040204020203" pitchFamily="2" charset="0"/>
+            </a:endParaRPr>
+          </a:p>
+        </p:txBody>
+      </p:sp>
+      <p:sp>
+        <p:nvSpPr>
+          <p:cNvPr id="20" name="Text Placeholder 12">
+            <a:extLst>
+              <a:ext uri="{FF2B5EF4-FFF2-40B4-BE49-F238E27FC236}">
+                <a16:creationId xmlns:a16="http://schemas.microsoft.com/office/drawing/2014/main" id="{2B39487B-EA73-4D7B-93AA-D63B49F4DA7F}"/>
+              </a:ext>
+            </a:extLst>
+          </p:cNvPr>
+          <p:cNvSpPr>
+            <a:spLocks noGrp="1"/>
+          </p:cNvSpPr>
+          <p:nvPr>
+            <p:ph type="body" sz="quarter" idx="15"/>
+          </p:nvPr>
+        </p:nvSpPr>
+        <p:spPr>
+          <a:xfrm>
+            <a:off x="1527050" y="3600450"/>
+            <a:ext cx="9144000" cy="2451100"/>
+          </a:xfrm>
+        </p:spPr>
+        <p:txBody>
+          <a:bodyPr>
+            <a:normAutofit/>
+          </a:bodyPr>
+          <a:lstStyle>
+            <a:lvl1pPr marL="0" indent="0" algn="ctr">
+              <a:buNone/>
+              <a:defRPr sz="2800">
+                <a:solidFill>
+                  <a:schemeClr val="bg1"/>
+                </a:solidFill>
+                <a:effectLst/>
+                <a:latin typeface="+mn-lt"/>
+              </a:defRPr>
+            </a:lvl1pPr>
+          </a:lstStyle>
+          <a:p>
+            <a:pPr lvl="0"/>
+            <a:r>
+              <a:rPr lang="en-US" dirty="0"/>
+              <a:t>Click to edit Master text styles</a:t>
+            </a:r>
+          </a:p>
+        </p:txBody>
+      </p:sp>
+    </p:spTree>
+    <p:extLst>
+      <p:ext uri="{BB962C8B-B14F-4D97-AF65-F5344CB8AC3E}">
+        <p14:creationId xmlns:p14="http://schemas.microsoft.com/office/powerpoint/2010/main" val="1155544817"/>
+      </p:ext>
+    </p:extLst>
+  </p:cSld>
+  <p:clrMapOvr>
+    <a:masterClrMapping/>
+  </p:clrMapOvr>
+</p:sldLayout>
+</file>
+
+<file path=ppt/slideLayouts/slideLayout10.xml><?xml version="1.0" encoding="utf-8"?>
 <p:sldLayout xmlns:a="http://schemas.openxmlformats.org/drawingml/2006/main" xmlns:r="http://schemas.openxmlformats.org/officeDocument/2006/relationships" xmlns:p="http://schemas.openxmlformats.org/presentationml/2006/main" showMasterSp="0" preserve="1" userDrawn="1">
   <p:cSld name="Summary">
     <p:spTree>
@@ -5537,7 +6091,7 @@
                 </a:solidFill>
               </a:rPr>
               <a:pPr/>
-              <a:t>3/4/2021</a:t>
+              <a:t>7/31/23</a:t>
             </a:fld>
             <a:endParaRPr lang="en-US" dirty="0">
               <a:solidFill>
@@ -5911,561 +6465,7 @@
 </p:sldLayout>
 </file>
 
-<file path=ppt/slideLayouts/slideLayout110.xml><?xml version="1.0" encoding="utf-8"?>
-<p:sldLayout xmlns:a="http://schemas.openxmlformats.org/drawingml/2006/main" xmlns:r="http://schemas.openxmlformats.org/officeDocument/2006/relationships" xmlns:p="http://schemas.openxmlformats.org/presentationml/2006/main" preserve="1" userDrawn="1">
-  <p:cSld name="Title">
-    <p:spTree>
-      <p:nvGrpSpPr>
-        <p:cNvPr id="1" name=""/>
-        <p:cNvGrpSpPr/>
-        <p:nvPr/>
-      </p:nvGrpSpPr>
-      <p:grpSpPr>
-        <a:xfrm>
-          <a:off x="0" y="0"/>
-          <a:ext cx="0" cy="0"/>
-          <a:chOff x="0" y="0"/>
-          <a:chExt cx="0" cy="0"/>
-        </a:xfrm>
-      </p:grpSpPr>
-      <p:sp useBgFill="1">
-        <p:nvSpPr>
-          <p:cNvPr id="11" name="Rectangle 10">
-            <a:extLst>
-              <a:ext uri="{FF2B5EF4-FFF2-40B4-BE49-F238E27FC236}">
-                <a16:creationId xmlns:a16="http://schemas.microsoft.com/office/drawing/2014/main" id="{B3FB0C32-F044-4939-92E4-8BA39B7A391A}"/>
-              </a:ext>
-              <a:ext uri="{C183D7F6-B498-43B3-948B-1728B52AA6E4}">
-                <adec:decorative xmlns:adec="http://schemas.microsoft.com/office/drawing/2017/decorative" val="1"/>
-              </a:ext>
-            </a:extLst>
-          </p:cNvPr>
-          <p:cNvSpPr/>
-          <p:nvPr userDrawn="1"/>
-        </p:nvSpPr>
-        <p:spPr>
-          <a:xfrm>
-            <a:off x="3050" y="-663"/>
-            <a:ext cx="12188952" cy="6858000"/>
-          </a:xfrm>
-          <a:prstGeom prst="rect">
-            <a:avLst/>
-          </a:prstGeom>
-          <a:ln>
-            <a:noFill/>
-          </a:ln>
-        </p:spPr>
-        <p:style>
-          <a:lnRef idx="2">
-            <a:schemeClr val="accent1">
-              <a:shade val="50000"/>
-            </a:schemeClr>
-          </a:lnRef>
-          <a:fillRef idx="1">
-            <a:schemeClr val="accent1"/>
-          </a:fillRef>
-          <a:effectRef idx="0">
-            <a:schemeClr val="accent1"/>
-          </a:effectRef>
-          <a:fontRef idx="minor">
-            <a:schemeClr val="lt1"/>
-          </a:fontRef>
-        </p:style>
-        <p:txBody>
-          <a:bodyPr rtlCol="0" anchor="ctr"/>
-          <a:lstStyle/>
-          <a:p>
-            <a:pPr algn="ctr"/>
-            <a:endParaRPr lang="en-US"/>
-          </a:p>
-        </p:txBody>
-      </p:sp>
-      <p:sp>
-        <p:nvSpPr>
-          <p:cNvPr id="12" name="Rectangle 11">
-            <a:extLst>
-              <a:ext uri="{FF2B5EF4-FFF2-40B4-BE49-F238E27FC236}">
-                <a16:creationId xmlns:a16="http://schemas.microsoft.com/office/drawing/2014/main" id="{6584BE8A-3E34-4967-9E7C-13EC8F6A990A}"/>
-              </a:ext>
-              <a:ext uri="{C183D7F6-B498-43B3-948B-1728B52AA6E4}">
-                <adec:decorative xmlns:adec="http://schemas.microsoft.com/office/drawing/2017/decorative" val="1"/>
-              </a:ext>
-            </a:extLst>
-          </p:cNvPr>
-          <p:cNvSpPr/>
-          <p:nvPr userDrawn="1"/>
-        </p:nvSpPr>
-        <p:spPr>
-          <a:xfrm>
-            <a:off x="3050" y="-663"/>
-            <a:ext cx="12188952" cy="6858000"/>
-          </a:xfrm>
-          <a:prstGeom prst="rect">
-            <a:avLst/>
-          </a:prstGeom>
-          <a:gradFill flip="none" rotWithShape="1">
-            <a:gsLst>
-              <a:gs pos="0">
-                <a:schemeClr val="accent2">
-                  <a:alpha val="60000"/>
-                </a:schemeClr>
-              </a:gs>
-              <a:gs pos="100000">
-                <a:schemeClr val="accent1">
-                  <a:alpha val="60000"/>
-                </a:schemeClr>
-              </a:gs>
-            </a:gsLst>
-            <a:lin ang="2700000" scaled="1"/>
-            <a:tileRect/>
-          </a:gradFill>
-          <a:ln>
-            <a:noFill/>
-          </a:ln>
-        </p:spPr>
-        <p:style>
-          <a:lnRef idx="2">
-            <a:schemeClr val="accent1">
-              <a:shade val="50000"/>
-            </a:schemeClr>
-          </a:lnRef>
-          <a:fillRef idx="1">
-            <a:schemeClr val="accent1"/>
-          </a:fillRef>
-          <a:effectRef idx="0">
-            <a:schemeClr val="accent1"/>
-          </a:effectRef>
-          <a:fontRef idx="minor">
-            <a:schemeClr val="lt1"/>
-          </a:fontRef>
-        </p:style>
-        <p:txBody>
-          <a:bodyPr rtlCol="0" anchor="ctr"/>
-          <a:lstStyle/>
-          <a:p>
-            <a:pPr algn="ctr"/>
-            <a:endParaRPr lang="en-US"/>
-          </a:p>
-        </p:txBody>
-      </p:sp>
-      <p:sp>
-        <p:nvSpPr>
-          <p:cNvPr id="13" name="Rectangle 12">
-            <a:extLst>
-              <a:ext uri="{FF2B5EF4-FFF2-40B4-BE49-F238E27FC236}">
-                <a16:creationId xmlns:a16="http://schemas.microsoft.com/office/drawing/2014/main" id="{99BFF676-EC35-4FFD-8894-CA4F2830700A}"/>
-              </a:ext>
-              <a:ext uri="{C183D7F6-B498-43B3-948B-1728B52AA6E4}">
-                <adec:decorative xmlns:adec="http://schemas.microsoft.com/office/drawing/2017/decorative" val="1"/>
-              </a:ext>
-            </a:extLst>
-          </p:cNvPr>
-          <p:cNvSpPr/>
-          <p:nvPr userDrawn="1"/>
-        </p:nvSpPr>
-        <p:spPr>
-          <a:xfrm>
-            <a:off x="3050" y="0"/>
-            <a:ext cx="12188952" cy="6858000"/>
-          </a:xfrm>
-          <a:prstGeom prst="rect">
-            <a:avLst/>
-          </a:prstGeom>
-          <a:solidFill>
-            <a:schemeClr val="bg2">
-              <a:alpha val="20000"/>
-            </a:schemeClr>
-          </a:solidFill>
-          <a:ln>
-            <a:noFill/>
-          </a:ln>
-        </p:spPr>
-        <p:style>
-          <a:lnRef idx="2">
-            <a:schemeClr val="accent1">
-              <a:shade val="50000"/>
-            </a:schemeClr>
-          </a:lnRef>
-          <a:fillRef idx="1">
-            <a:schemeClr val="accent1"/>
-          </a:fillRef>
-          <a:effectRef idx="0">
-            <a:schemeClr val="accent1"/>
-          </a:effectRef>
-          <a:fontRef idx="minor">
-            <a:schemeClr val="lt1"/>
-          </a:fontRef>
-        </p:style>
-        <p:txBody>
-          <a:bodyPr rtlCol="0" anchor="ctr"/>
-          <a:lstStyle/>
-          <a:p>
-            <a:pPr algn="ctr"/>
-            <a:endParaRPr lang="en-US" dirty="0"/>
-          </a:p>
-        </p:txBody>
-      </p:sp>
-      <p:sp>
-        <p:nvSpPr>
-          <p:cNvPr id="14" name="Oval 13">
-            <a:extLst>
-              <a:ext uri="{FF2B5EF4-FFF2-40B4-BE49-F238E27FC236}">
-                <a16:creationId xmlns:a16="http://schemas.microsoft.com/office/drawing/2014/main" id="{32DA1557-E095-4C82-B659-3AF550080BB1}"/>
-              </a:ext>
-              <a:ext uri="{C183D7F6-B498-43B3-948B-1728B52AA6E4}">
-                <adec:decorative xmlns:adec="http://schemas.microsoft.com/office/drawing/2017/decorative" val="1"/>
-              </a:ext>
-            </a:extLst>
-          </p:cNvPr>
-          <p:cNvSpPr/>
-          <p:nvPr userDrawn="1"/>
-        </p:nvSpPr>
-        <p:spPr>
-          <a:xfrm rot="16200000">
-            <a:off x="2746250" y="-663"/>
-            <a:ext cx="6857999" cy="6857998"/>
-          </a:xfrm>
-          <a:prstGeom prst="ellipse">
-            <a:avLst/>
-          </a:prstGeom>
-          <a:gradFill>
-            <a:gsLst>
-              <a:gs pos="0">
-                <a:schemeClr val="accent1">
-                  <a:lumMod val="20000"/>
-                  <a:lumOff val="80000"/>
-                  <a:alpha val="40000"/>
-                </a:schemeClr>
-              </a:gs>
-              <a:gs pos="100000">
-                <a:schemeClr val="accent1">
-                  <a:alpha val="40000"/>
-                </a:schemeClr>
-              </a:gs>
-            </a:gsLst>
-            <a:lin ang="2700000" scaled="1"/>
-          </a:gradFill>
-          <a:ln>
-            <a:noFill/>
-          </a:ln>
-          <a:effectLst>
-            <a:softEdge rad="520700"/>
-          </a:effectLst>
-        </p:spPr>
-        <p:style>
-          <a:lnRef idx="2">
-            <a:schemeClr val="accent1">
-              <a:shade val="50000"/>
-            </a:schemeClr>
-          </a:lnRef>
-          <a:fillRef idx="1">
-            <a:schemeClr val="accent1"/>
-          </a:fillRef>
-          <a:effectRef idx="0">
-            <a:schemeClr val="accent1"/>
-          </a:effectRef>
-          <a:fontRef idx="minor">
-            <a:schemeClr val="lt1"/>
-          </a:fontRef>
-        </p:style>
-        <p:txBody>
-          <a:bodyPr rtlCol="0" anchor="ctr"/>
-          <a:lstStyle/>
-          <a:p>
-            <a:pPr algn="ctr"/>
-            <a:endParaRPr lang="en-US" dirty="0"/>
-          </a:p>
-        </p:txBody>
-      </p:sp>
-      <p:sp>
-        <p:nvSpPr>
-          <p:cNvPr id="15" name="Oval 14">
-            <a:extLst>
-              <a:ext uri="{FF2B5EF4-FFF2-40B4-BE49-F238E27FC236}">
-                <a16:creationId xmlns:a16="http://schemas.microsoft.com/office/drawing/2014/main" id="{9F34E5EF-94D7-4AE0-BDD1-81A3ECDE614C}"/>
-              </a:ext>
-              <a:ext uri="{C183D7F6-B498-43B3-948B-1728B52AA6E4}">
-                <adec:decorative xmlns:adec="http://schemas.microsoft.com/office/drawing/2017/decorative" val="1"/>
-              </a:ext>
-            </a:extLst>
-          </p:cNvPr>
-          <p:cNvSpPr/>
-          <p:nvPr userDrawn="1"/>
-        </p:nvSpPr>
-        <p:spPr>
-          <a:xfrm rot="16200000">
-            <a:off x="77040" y="1193411"/>
-            <a:ext cx="5589934" cy="5737916"/>
-          </a:xfrm>
-          <a:prstGeom prst="ellipse">
-            <a:avLst/>
-          </a:prstGeom>
-          <a:gradFill>
-            <a:gsLst>
-              <a:gs pos="0">
-                <a:schemeClr val="accent1">
-                  <a:alpha val="40000"/>
-                </a:schemeClr>
-              </a:gs>
-              <a:gs pos="100000">
-                <a:schemeClr val="accent5">
-                  <a:alpha val="20000"/>
-                </a:schemeClr>
-              </a:gs>
-            </a:gsLst>
-            <a:lin ang="2700000" scaled="1"/>
-          </a:gradFill>
-          <a:ln>
-            <a:noFill/>
-          </a:ln>
-          <a:effectLst>
-            <a:softEdge rad="952500"/>
-          </a:effectLst>
-        </p:spPr>
-        <p:style>
-          <a:lnRef idx="2">
-            <a:schemeClr val="accent1">
-              <a:shade val="50000"/>
-            </a:schemeClr>
-          </a:lnRef>
-          <a:fillRef idx="1">
-            <a:schemeClr val="accent1"/>
-          </a:fillRef>
-          <a:effectRef idx="0">
-            <a:schemeClr val="accent1"/>
-          </a:effectRef>
-          <a:fontRef idx="minor">
-            <a:schemeClr val="lt1"/>
-          </a:fontRef>
-        </p:style>
-        <p:txBody>
-          <a:bodyPr rtlCol="0" anchor="ctr"/>
-          <a:lstStyle/>
-          <a:p>
-            <a:pPr algn="ctr"/>
-            <a:endParaRPr lang="en-US" dirty="0"/>
-          </a:p>
-        </p:txBody>
-      </p:sp>
-      <p:sp>
-        <p:nvSpPr>
-          <p:cNvPr id="16" name="Oval 15">
-            <a:extLst>
-              <a:ext uri="{FF2B5EF4-FFF2-40B4-BE49-F238E27FC236}">
-                <a16:creationId xmlns:a16="http://schemas.microsoft.com/office/drawing/2014/main" id="{D829E57E-3199-4AAA-B2D5-F93264FDA0B5}"/>
-              </a:ext>
-              <a:ext uri="{C183D7F6-B498-43B3-948B-1728B52AA6E4}">
-                <adec:decorative xmlns:adec="http://schemas.microsoft.com/office/drawing/2017/decorative" val="1"/>
-              </a:ext>
-            </a:extLst>
-          </p:cNvPr>
-          <p:cNvSpPr/>
-          <p:nvPr userDrawn="1"/>
-        </p:nvSpPr>
-        <p:spPr>
-          <a:xfrm rot="16200000">
-            <a:off x="6442672" y="193606"/>
-            <a:ext cx="5760743" cy="5737917"/>
-          </a:xfrm>
-          <a:prstGeom prst="ellipse">
-            <a:avLst/>
-          </a:prstGeom>
-          <a:gradFill>
-            <a:gsLst>
-              <a:gs pos="0">
-                <a:schemeClr val="accent1">
-                  <a:alpha val="20000"/>
-                </a:schemeClr>
-              </a:gs>
-              <a:gs pos="100000">
-                <a:schemeClr val="accent5">
-                  <a:alpha val="40000"/>
-                </a:schemeClr>
-              </a:gs>
-            </a:gsLst>
-            <a:lin ang="2700000" scaled="1"/>
-          </a:gradFill>
-          <a:ln>
-            <a:noFill/>
-          </a:ln>
-          <a:effectLst>
-            <a:softEdge rad="1003300"/>
-          </a:effectLst>
-        </p:spPr>
-        <p:style>
-          <a:lnRef idx="2">
-            <a:schemeClr val="accent1">
-              <a:shade val="50000"/>
-            </a:schemeClr>
-          </a:lnRef>
-          <a:fillRef idx="1">
-            <a:schemeClr val="accent1"/>
-          </a:fillRef>
-          <a:effectRef idx="0">
-            <a:schemeClr val="accent1"/>
-          </a:effectRef>
-          <a:fontRef idx="minor">
-            <a:schemeClr val="lt1"/>
-          </a:fontRef>
-        </p:style>
-        <p:txBody>
-          <a:bodyPr rtlCol="0" anchor="ctr"/>
-          <a:lstStyle/>
-          <a:p>
-            <a:pPr algn="ctr"/>
-            <a:endParaRPr lang="en-US" dirty="0"/>
-          </a:p>
-        </p:txBody>
-      </p:sp>
-      <p:pic>
-        <p:nvPicPr>
-          <p:cNvPr id="17" name="Picture 16" descr="Tag=CustomerPhoto&#10;Crop=1&#10;Align=N/A">
-            <a:extLst>
-              <a:ext uri="{FF2B5EF4-FFF2-40B4-BE49-F238E27FC236}">
-                <a16:creationId xmlns:a16="http://schemas.microsoft.com/office/drawing/2014/main" id="{8A791822-0971-4E61-A5E4-9AAD258F58E3}"/>
-              </a:ext>
-            </a:extLst>
-          </p:cNvPr>
-          <p:cNvPicPr>
-            <a:picLocks/>
-          </p:cNvPicPr>
-          <p:nvPr userDrawn="1"/>
-        </p:nvPicPr>
-        <p:blipFill>
-          <a:blip r:embed="rId2">
-            <a:alphaModFix amt="20000"/>
-            <a:extLst>
-              <a:ext uri="{28A0092B-C50C-407E-A947-70E740481C1C}">
-                <a14:useLocalDpi xmlns:a14="http://schemas.microsoft.com/office/drawing/2010/main" val="0"/>
-              </a:ext>
-            </a:extLst>
-          </a:blip>
-          <a:stretch>
-            <a:fillRect/>
-          </a:stretch>
-        </p:blipFill>
-        <p:spPr>
-          <a:xfrm>
-            <a:off x="3048" y="-663"/>
-            <a:ext cx="12188952" cy="6858000"/>
-          </a:xfrm>
-          <a:prstGeom prst="rect">
-            <a:avLst/>
-          </a:prstGeom>
-        </p:spPr>
-      </p:pic>
-      <p:sp>
-        <p:nvSpPr>
-          <p:cNvPr id="18" name="Title 1">
-            <a:extLst>
-              <a:ext uri="{FF2B5EF4-FFF2-40B4-BE49-F238E27FC236}">
-                <a16:creationId xmlns:a16="http://schemas.microsoft.com/office/drawing/2014/main" id="{B86D7D99-F789-4EDA-861D-B6B994F05F1D}"/>
-              </a:ext>
-            </a:extLst>
-          </p:cNvPr>
-          <p:cNvSpPr>
-            <a:spLocks noGrp="1"/>
-          </p:cNvSpPr>
-          <p:nvPr>
-            <p:ph type="ctrTitle"/>
-          </p:nvPr>
-        </p:nvSpPr>
-        <p:spPr>
-          <a:xfrm>
-            <a:off x="1527050" y="1121700"/>
-            <a:ext cx="9144000" cy="2387600"/>
-          </a:xfrm>
-        </p:spPr>
-        <p:txBody>
-          <a:bodyPr/>
-          <a:lstStyle>
-            <a:lvl1pPr algn="ctr">
-              <a:defRPr>
-                <a:solidFill>
-                  <a:schemeClr val="bg1"/>
-                </a:solidFill>
-              </a:defRPr>
-            </a:lvl1pPr>
-          </a:lstStyle>
-          <a:p>
-            <a:endParaRPr lang="en-US" dirty="0">
-              <a:solidFill>
-                <a:srgbClr val="FFFFFF"/>
-              </a:solidFill>
-              <a:effectLst>
-                <a:outerShdw blurRad="38100" dist="38100" dir="2700000" algn="tl">
-                  <a:srgbClr val="000000">
-                    <a:alpha val="43137"/>
-                  </a:srgbClr>
-                </a:outerShdw>
-              </a:effectLst>
-              <a:ea typeface="Cambria" panose="02040503050406030204" pitchFamily="18" charset="0"/>
-              <a:cs typeface="Sabon Next LT" panose="020B0502040204020203" pitchFamily="2" charset="0"/>
-            </a:endParaRPr>
-          </a:p>
-        </p:txBody>
-      </p:sp>
-      <p:sp>
-        <p:nvSpPr>
-          <p:cNvPr id="20" name="Text Placeholder 12">
-            <a:extLst>
-              <a:ext uri="{FF2B5EF4-FFF2-40B4-BE49-F238E27FC236}">
-                <a16:creationId xmlns:a16="http://schemas.microsoft.com/office/drawing/2014/main" id="{2B39487B-EA73-4D7B-93AA-D63B49F4DA7F}"/>
-              </a:ext>
-            </a:extLst>
-          </p:cNvPr>
-          <p:cNvSpPr>
-            <a:spLocks noGrp="1"/>
-          </p:cNvSpPr>
-          <p:nvPr>
-            <p:ph type="body" sz="quarter" idx="15"/>
-          </p:nvPr>
-        </p:nvSpPr>
-        <p:spPr>
-          <a:xfrm>
-            <a:off x="1527050" y="3600450"/>
-            <a:ext cx="9144000" cy="2451100"/>
-          </a:xfrm>
-        </p:spPr>
-        <p:txBody>
-          <a:bodyPr>
-            <a:normAutofit/>
-          </a:bodyPr>
-          <a:lstStyle>
-            <a:lvl1pPr marL="0" indent="0" algn="ctr">
-              <a:buNone/>
-              <a:defRPr sz="2800">
-                <a:solidFill>
-                  <a:schemeClr val="bg1"/>
-                </a:solidFill>
-                <a:effectLst/>
-                <a:latin typeface="+mn-lt"/>
-              </a:defRPr>
-            </a:lvl1pPr>
-          </a:lstStyle>
-          <a:p>
-            <a:pPr lvl="0"/>
-            <a:r>
-              <a:rPr lang="en-US" dirty="0"/>
-              <a:t>Click to edit Master text styles</a:t>
-            </a:r>
-          </a:p>
-        </p:txBody>
-      </p:sp>
-    </p:spTree>
-    <p:extLst>
-      <p:ext uri="{BB962C8B-B14F-4D97-AF65-F5344CB8AC3E}">
-        <p14:creationId xmlns:p14="http://schemas.microsoft.com/office/powerpoint/2010/main" val="1155544817"/>
-      </p:ext>
-    </p:extLst>
-  </p:cSld>
-  <p:clrMapOvr>
-    <a:masterClrMapping/>
-  </p:clrMapOvr>
-</p:sldLayout>
-</file>
-
-<file path=ppt/slideLayouts/slideLayout1112.xml><?xml version="1.0" encoding="utf-8"?>
+<file path=ppt/slideLayouts/slideLayout11.xml><?xml version="1.0" encoding="utf-8"?>
 <p:sldLayout xmlns:a="http://schemas.openxmlformats.org/drawingml/2006/main" xmlns:r="http://schemas.openxmlformats.org/officeDocument/2006/relationships" xmlns:p="http://schemas.openxmlformats.org/presentationml/2006/main" preserve="1" userDrawn="1">
   <p:cSld name="Closing">
     <p:spTree>
@@ -6711,7 +6711,7 @@
 </p:sldLayout>
 </file>
 
-<file path=ppt/slideLayouts/slideLayout126.xml><?xml version="1.0" encoding="utf-8"?>
+<file path=ppt/slideLayouts/slideLayout12.xml><?xml version="1.0" encoding="utf-8"?>
 <p:sldLayout xmlns:a="http://schemas.openxmlformats.org/drawingml/2006/main" xmlns:r="http://schemas.openxmlformats.org/officeDocument/2006/relationships" xmlns:p="http://schemas.openxmlformats.org/presentationml/2006/main" type="blank" preserve="1">
   <p:cSld name="Blank">
     <p:spTree>
@@ -6826,7 +6826,7 @@
 </p:sldLayout>
 </file>
 
-<file path=ppt/slideLayouts/slideLayout133.xml><?xml version="1.0" encoding="utf-8"?>
+<file path=ppt/slideLayouts/slideLayout13.xml><?xml version="1.0" encoding="utf-8"?>
 <p:sldLayout xmlns:a="http://schemas.openxmlformats.org/drawingml/2006/main" xmlns:r="http://schemas.openxmlformats.org/officeDocument/2006/relationships" xmlns:p="http://schemas.openxmlformats.org/presentationml/2006/main" type="title" preserve="1">
   <p:cSld name="Title Slide">
     <p:spTree>
@@ -7049,7 +7049,7 @@
 </p:sldLayout>
 </file>
 
-<file path=ppt/slideLayouts/slideLayout1418.xml><?xml version="1.0" encoding="utf-8"?>
+<file path=ppt/slideLayouts/slideLayout14.xml><?xml version="1.0" encoding="utf-8"?>
 <p:sldLayout xmlns:a="http://schemas.openxmlformats.org/drawingml/2006/main" xmlns:r="http://schemas.openxmlformats.org/officeDocument/2006/relationships" xmlns:p="http://schemas.openxmlformats.org/presentationml/2006/main" type="secHead" preserve="1">
   <p:cSld name="Section Header">
     <p:spTree>
@@ -7327,7 +7327,7 @@
 </p:sldLayout>
 </file>
 
-<file path=ppt/slideLayouts/slideLayout1514.xml><?xml version="1.0" encoding="utf-8"?>
+<file path=ppt/slideLayouts/slideLayout15.xml><?xml version="1.0" encoding="utf-8"?>
 <p:sldLayout xmlns:a="http://schemas.openxmlformats.org/drawingml/2006/main" xmlns:r="http://schemas.openxmlformats.org/officeDocument/2006/relationships" xmlns:p="http://schemas.openxmlformats.org/presentationml/2006/main" type="twoObj" preserve="1">
   <p:cSld name="Two Content">
     <p:spTree>
@@ -7600,7 +7600,7 @@
 </p:sldLayout>
 </file>
 
-<file path=ppt/slideLayouts/slideLayout169.xml><?xml version="1.0" encoding="utf-8"?>
+<file path=ppt/slideLayouts/slideLayout16.xml><?xml version="1.0" encoding="utf-8"?>
 <p:sldLayout xmlns:a="http://schemas.openxmlformats.org/drawingml/2006/main" xmlns:r="http://schemas.openxmlformats.org/officeDocument/2006/relationships" xmlns:p="http://schemas.openxmlformats.org/presentationml/2006/main" type="titleOnly" preserve="1">
   <p:cSld name="Title Only">
     <p:spTree>
@@ -7743,7 +7743,7 @@
 </p:sldLayout>
 </file>
 
-<file path=ppt/slideLayouts/slideLayout177.xml><?xml version="1.0" encoding="utf-8"?>
+<file path=ppt/slideLayouts/slideLayout17.xml><?xml version="1.0" encoding="utf-8"?>
 <p:sldLayout xmlns:a="http://schemas.openxmlformats.org/drawingml/2006/main" xmlns:r="http://schemas.openxmlformats.org/officeDocument/2006/relationships" xmlns:p="http://schemas.openxmlformats.org/presentationml/2006/main" type="objTx" preserve="1">
   <p:cSld name="Content with Caption">
     <p:spTree>
@@ -8058,7 +8058,7 @@
 </p:sldLayout>
 </file>
 
-<file path=ppt/slideLayouts/slideLayout184.xml><?xml version="1.0" encoding="utf-8"?>
+<file path=ppt/slideLayouts/slideLayout18.xml><?xml version="1.0" encoding="utf-8"?>
 <p:sldLayout xmlns:a="http://schemas.openxmlformats.org/drawingml/2006/main" xmlns:r="http://schemas.openxmlformats.org/officeDocument/2006/relationships" xmlns:p="http://schemas.openxmlformats.org/presentationml/2006/main" type="picTx" preserve="1">
   <p:cSld name="Picture with Caption">
     <p:spTree>
@@ -8352,7 +8352,7 @@
 </p:sldLayout>
 </file>
 
-<file path=ppt/slideLayouts/slideLayout28.xml><?xml version="1.0" encoding="utf-8"?>
+<file path=ppt/slideLayouts/slideLayout2.xml><?xml version="1.0" encoding="utf-8"?>
 <p:sldLayout xmlns:a="http://schemas.openxmlformats.org/drawingml/2006/main" xmlns:r="http://schemas.openxmlformats.org/officeDocument/2006/relationships" xmlns:p="http://schemas.openxmlformats.org/presentationml/2006/main" preserve="1" userDrawn="1">
   <p:cSld name="Agenda">
     <p:spTree>
@@ -8814,7 +8814,7 @@
 </p:sldLayout>
 </file>
 
-<file path=ppt/slideLayouts/slideLayout35.xml><?xml version="1.0" encoding="utf-8"?>
+<file path=ppt/slideLayouts/slideLayout3.xml><?xml version="1.0" encoding="utf-8"?>
 <p:sldLayout xmlns:a="http://schemas.openxmlformats.org/drawingml/2006/main" xmlns:r="http://schemas.openxmlformats.org/officeDocument/2006/relationships" xmlns:p="http://schemas.openxmlformats.org/presentationml/2006/main" showMasterSp="0" preserve="1" userDrawn="1">
   <p:cSld name="Introduction">
     <p:spTree>
@@ -9160,7 +9160,7 @@
 </p:sldLayout>
 </file>
 
-<file path=ppt/slideLayouts/slideLayout416.xml><?xml version="1.0" encoding="utf-8"?>
+<file path=ppt/slideLayouts/slideLayout4.xml><?xml version="1.0" encoding="utf-8"?>
 <p:sldLayout xmlns:a="http://schemas.openxmlformats.org/drawingml/2006/main" xmlns:r="http://schemas.openxmlformats.org/officeDocument/2006/relationships" xmlns:p="http://schemas.openxmlformats.org/presentationml/2006/main" showMasterSp="0" preserve="1" userDrawn="1">
   <p:cSld name="Section Break">
     <p:spTree>
@@ -9716,7 +9716,7 @@
 </p:sldLayout>
 </file>
 
-<file path=ppt/slideLayouts/slideLayout513.xml><?xml version="1.0" encoding="utf-8"?>
+<file path=ppt/slideLayouts/slideLayout5.xml><?xml version="1.0" encoding="utf-8"?>
 <p:sldLayout xmlns:a="http://schemas.openxmlformats.org/drawingml/2006/main" xmlns:r="http://schemas.openxmlformats.org/officeDocument/2006/relationships" xmlns:p="http://schemas.openxmlformats.org/presentationml/2006/main" type="obj" preserve="1">
   <p:cSld name="Table Chart Timeline">
     <p:spTree>
@@ -9944,7 +9944,7 @@
 </p:sldLayout>
 </file>
 
-<file path=ppt/slideLayouts/slideLayout611.xml><?xml version="1.0" encoding="utf-8"?>
+<file path=ppt/slideLayouts/slideLayout6.xml><?xml version="1.0" encoding="utf-8"?>
 <p:sldLayout xmlns:a="http://schemas.openxmlformats.org/drawingml/2006/main" xmlns:r="http://schemas.openxmlformats.org/officeDocument/2006/relationships" xmlns:p="http://schemas.openxmlformats.org/presentationml/2006/main" preserve="1" userDrawn="1">
   <p:cSld name="Quote">
     <p:spTree>
@@ -10366,7 +10366,7 @@
 </p:sldLayout>
 </file>
 
-<file path=ppt/slideLayouts/slideLayout71.xml><?xml version="1.0" encoding="utf-8"?>
+<file path=ppt/slideLayouts/slideLayout7.xml><?xml version="1.0" encoding="utf-8"?>
 <p:sldLayout xmlns:a="http://schemas.openxmlformats.org/drawingml/2006/main" xmlns:r="http://schemas.openxmlformats.org/officeDocument/2006/relationships" xmlns:p="http://schemas.openxmlformats.org/presentationml/2006/main" preserve="1" userDrawn="1">
   <p:cSld name="Team">
     <p:spTree>
@@ -11129,7 +11129,7 @@
 </p:sldLayout>
 </file>
 
-<file path=ppt/slideLayouts/slideLayout82.xml><?xml version="1.0" encoding="utf-8"?>
+<file path=ppt/slideLayouts/slideLayout8.xml><?xml version="1.0" encoding="utf-8"?>
 <p:sldLayout xmlns:a="http://schemas.openxmlformats.org/drawingml/2006/main" xmlns:r="http://schemas.openxmlformats.org/officeDocument/2006/relationships" xmlns:p="http://schemas.openxmlformats.org/presentationml/2006/main" preserve="1" userDrawn="1">
   <p:cSld name="Content 2 column (comparison slide)">
     <p:spTree>
@@ -11641,7 +11641,7 @@
 </p:sldLayout>
 </file>
 
-<file path=ppt/slideLayouts/slideLayout917.xml><?xml version="1.0" encoding="utf-8"?>
+<file path=ppt/slideLayouts/slideLayout9.xml><?xml version="1.0" encoding="utf-8"?>
 <p:sldLayout xmlns:a="http://schemas.openxmlformats.org/drawingml/2006/main" xmlns:r="http://schemas.openxmlformats.org/officeDocument/2006/relationships" xmlns:p="http://schemas.openxmlformats.org/presentationml/2006/main" preserve="1" userDrawn="1">
   <p:cSld name="Content 3 column">
     <p:spTree>
@@ -12338,7 +12338,7 @@
 </p:sldLayout>
 </file>
 
-<file path=ppt/slideMasters/slideMaster11.xml><?xml version="1.0" encoding="utf-8"?>
+<file path=ppt/slideMasters/slideMaster1.xml><?xml version="1.0" encoding="utf-8"?>
 <p:sldMaster xmlns:a="http://schemas.openxmlformats.org/drawingml/2006/main" xmlns:r="http://schemas.openxmlformats.org/officeDocument/2006/relationships" xmlns:p="http://schemas.openxmlformats.org/presentationml/2006/main">
   <p:cSld>
     <p:bg>
@@ -12498,38 +12498,37 @@
           <a:p>
             <a:pPr lvl="0"/>
             <a:r>
-              <a:rPr lang="en-US"/>
+              <a:rPr lang="en-US" dirty="0"/>
               <a:t>Click to edit Master text styles</a:t>
             </a:r>
           </a:p>
           <a:p>
             <a:pPr lvl="1"/>
             <a:r>
-              <a:rPr lang="en-US"/>
+              <a:rPr lang="en-US" dirty="0"/>
               <a:t>Second level</a:t>
             </a:r>
           </a:p>
           <a:p>
             <a:pPr lvl="2"/>
             <a:r>
-              <a:rPr lang="en-US"/>
+              <a:rPr lang="en-US" dirty="0"/>
               <a:t>Third level</a:t>
             </a:r>
           </a:p>
           <a:p>
             <a:pPr lvl="3"/>
             <a:r>
-              <a:rPr lang="en-US"/>
+              <a:rPr lang="en-US" dirty="0"/>
               <a:t>Fourth level</a:t>
             </a:r>
           </a:p>
           <a:p>
             <a:pPr lvl="4"/>
             <a:r>
-              <a:rPr lang="en-US"/>
+              <a:rPr lang="en-US" dirty="0"/>
               <a:t>Fifth level</a:t>
             </a:r>
-            <a:endParaRPr lang="en-US" dirty="0"/>
           </a:p>
         </p:txBody>
       </p:sp>
@@ -12711,7 +12710,7 @@
           <a:spcPct val="0"/>
         </a:spcBef>
         <a:buNone/>
-        <a:defRPr lang="en-US" sz="5200" kern="1200" dirty="0">
+        <a:defRPr lang="en-US" sz="3200" kern="1200" dirty="0">
           <a:gradFill flip="none" rotWithShape="1">
             <a:gsLst>
               <a:gs pos="0">
@@ -12749,7 +12748,7 @@
         <a:buSzPct val="80000"/>
         <a:buFont typeface="Wingdings" panose="05000000000000000000" pitchFamily="2" charset="2"/>
         <a:buChar char="§"/>
-        <a:defRPr sz="3200" kern="1200">
+        <a:defRPr sz="2400" kern="1200">
           <a:solidFill>
             <a:schemeClr val="tx2">
               <a:alpha val="70000"/>
@@ -13040,7 +13039,7 @@
 </p:sldMaster>
 </file>
 
-<file path=ppt/slides/slide108.xml><?xml version="1.0" encoding="utf-8"?>
+<file path=ppt/slides/slide1.xml><?xml version="1.0" encoding="utf-8"?>
 <p:sld xmlns:a="http://schemas.openxmlformats.org/drawingml/2006/main" xmlns:r="http://schemas.openxmlformats.org/officeDocument/2006/relationships" xmlns:p="http://schemas.openxmlformats.org/presentationml/2006/main">
   <p:cSld>
     <p:spTree>
@@ -13059,349 +13058,74 @@
       </p:grpSpPr>
       <p:sp>
         <p:nvSpPr>
-          <p:cNvPr id="2" name="Title 1">
-            <a:extLst>
-              <a:ext uri="{FF2B5EF4-FFF2-40B4-BE49-F238E27FC236}">
-                <a16:creationId xmlns:a16="http://schemas.microsoft.com/office/drawing/2014/main" id="{2C360FCC-0BF5-45B2-9CDD-17A4BA1878EE}"/>
-              </a:ext>
-            </a:extLst>
-          </p:cNvPr>
-          <p:cNvSpPr>
-            <a:spLocks noGrp="1"/>
-          </p:cNvSpPr>
-          <p:nvPr>
-            <p:ph type="title"/>
+          <p:cNvPr id="4" name="Title 3">
+            <a:extLst>
+              <a:ext uri="{FF2B5EF4-FFF2-40B4-BE49-F238E27FC236}">
+                <a16:creationId xmlns:a16="http://schemas.microsoft.com/office/drawing/2014/main" id="{2E9A7C78-91FD-4B88-953D-5A4363761BD1}"/>
+              </a:ext>
+            </a:extLst>
+          </p:cNvPr>
+          <p:cNvSpPr>
+            <a:spLocks noGrp="1"/>
+          </p:cNvSpPr>
+          <p:nvPr>
+            <p:ph type="ctrTitle"/>
           </p:nvPr>
         </p:nvSpPr>
         <p:spPr>
           <a:xfrm>
-            <a:off x="839788" y="685800"/>
-            <a:ext cx="10515600" cy="1325880"/>
+            <a:off x="1527050" y="1121700"/>
+            <a:ext cx="9144000" cy="2387600"/>
           </a:xfrm>
         </p:spPr>
         <p:txBody>
+          <a:bodyPr anchor="b" anchorCtr="0"/>
+          <a:lstStyle/>
+          <a:p>
+            <a:r>
+              <a:rPr lang="en-US" dirty="0"/>
+              <a:t>Presentation title</a:t>
+            </a:r>
+          </a:p>
+        </p:txBody>
+      </p:sp>
+      <p:sp>
+        <p:nvSpPr>
+          <p:cNvPr id="5" name="Subtitle 4">
+            <a:extLst>
+              <a:ext uri="{FF2B5EF4-FFF2-40B4-BE49-F238E27FC236}">
+                <a16:creationId xmlns:a16="http://schemas.microsoft.com/office/drawing/2014/main" id="{AD04BED3-CF2E-4CAD-8CE8-ED3ED12AEBD6}"/>
+              </a:ext>
+            </a:extLst>
+          </p:cNvPr>
+          <p:cNvSpPr>
+            <a:spLocks noGrp="1"/>
+          </p:cNvSpPr>
+          <p:nvPr>
+            <p:ph type="body" sz="quarter" idx="15"/>
+          </p:nvPr>
+        </p:nvSpPr>
+        <p:spPr>
+          <a:xfrm>
+            <a:off x="1527175" y="3600450"/>
+            <a:ext cx="9144000" cy="2451100"/>
+          </a:xfrm>
+        </p:spPr>
+        <p:txBody>
           <a:bodyPr/>
           <a:lstStyle/>
           <a:p>
             <a:r>
               <a:rPr lang="en-US" dirty="0"/>
-              <a:t>Content </a:t>
-            </a:r>
-          </a:p>
-        </p:txBody>
-      </p:sp>
-      <p:sp>
-        <p:nvSpPr>
-          <p:cNvPr id="3" name="Text Placeholder 2">
-            <a:extLst>
-              <a:ext uri="{FF2B5EF4-FFF2-40B4-BE49-F238E27FC236}">
-                <a16:creationId xmlns:a16="http://schemas.microsoft.com/office/drawing/2014/main" id="{88BA67A4-895F-49F8-97D0-7158E0597C07}"/>
-              </a:ext>
-            </a:extLst>
-          </p:cNvPr>
-          <p:cNvSpPr>
-            <a:spLocks noGrp="1"/>
-          </p:cNvSpPr>
-          <p:nvPr>
-            <p:ph type="body" idx="1"/>
-          </p:nvPr>
-        </p:nvSpPr>
-        <p:spPr>
-          <a:xfrm>
-            <a:off x="839788" y="2011680"/>
-            <a:ext cx="3383280" cy="530352"/>
-          </a:xfrm>
-        </p:spPr>
-        <p:txBody>
-          <a:bodyPr>
-            <a:normAutofit/>
-          </a:bodyPr>
-          <a:lstStyle/>
-          <a:p>
-            <a:r>
-              <a:rPr lang="en-US" dirty="0"/>
-              <a:t>Subtitle</a:t>
-            </a:r>
-          </a:p>
-        </p:txBody>
-      </p:sp>
-      <p:sp>
-        <p:nvSpPr>
-          <p:cNvPr id="4" name="Content Placeholder 3">
-            <a:extLst>
-              <a:ext uri="{FF2B5EF4-FFF2-40B4-BE49-F238E27FC236}">
-                <a16:creationId xmlns:a16="http://schemas.microsoft.com/office/drawing/2014/main" id="{020BAF9D-516C-4AC0-B83C-33BFA6E280A1}"/>
-              </a:ext>
-            </a:extLst>
-          </p:cNvPr>
-          <p:cNvSpPr>
-            <a:spLocks noGrp="1"/>
-          </p:cNvSpPr>
-          <p:nvPr>
-            <p:ph sz="half" idx="2"/>
-          </p:nvPr>
-        </p:nvSpPr>
-        <p:spPr>
-          <a:xfrm>
-            <a:off x="839788" y="2560320"/>
-            <a:ext cx="3383280" cy="3446463"/>
-          </a:xfrm>
-        </p:spPr>
-        <p:txBody>
-          <a:bodyPr>
-            <a:noAutofit/>
-          </a:bodyPr>
-          <a:lstStyle/>
-          <a:p>
-            <a:r>
-              <a:rPr lang="en-US" dirty="0"/>
-              <a:t>Add text, images, art, and videos. </a:t>
-            </a:r>
-          </a:p>
-          <a:p>
-            <a:r>
-              <a:rPr lang="en-US" dirty="0"/>
-              <a:t>Add transitions, animations, and motion. </a:t>
-            </a:r>
-          </a:p>
-          <a:p>
-            <a:r>
-              <a:rPr lang="en-US" dirty="0"/>
-              <a:t>Save to OneDrive, to get to your presentations from your computer, tablet, or phone. </a:t>
-            </a:r>
-          </a:p>
-          <a:p>
-            <a:endParaRPr lang="en-US" dirty="0"/>
-          </a:p>
-        </p:txBody>
-      </p:sp>
-      <p:sp>
-        <p:nvSpPr>
-          <p:cNvPr id="5" name="Text Placeholder 4">
-            <a:extLst>
-              <a:ext uri="{FF2B5EF4-FFF2-40B4-BE49-F238E27FC236}">
-                <a16:creationId xmlns:a16="http://schemas.microsoft.com/office/drawing/2014/main" id="{5951D7A3-45F6-43A4-8ADB-05DA212ADAAF}"/>
-              </a:ext>
-            </a:extLst>
-          </p:cNvPr>
-          <p:cNvSpPr>
-            <a:spLocks noGrp="1"/>
-          </p:cNvSpPr>
-          <p:nvPr>
-            <p:ph type="body" sz="quarter" idx="3"/>
-          </p:nvPr>
-        </p:nvSpPr>
-        <p:spPr>
-          <a:xfrm>
-            <a:off x="4404360" y="2011680"/>
-            <a:ext cx="3383280" cy="530352"/>
-          </a:xfrm>
-        </p:spPr>
-        <p:txBody>
-          <a:bodyPr>
-            <a:normAutofit/>
-          </a:bodyPr>
-          <a:lstStyle/>
-          <a:p>
-            <a:r>
-              <a:rPr lang="en-US" dirty="0"/>
-              <a:t>Subtitle</a:t>
-            </a:r>
-          </a:p>
-        </p:txBody>
-      </p:sp>
-      <p:sp>
-        <p:nvSpPr>
-          <p:cNvPr id="6" name="Content Placeholder 5">
-            <a:extLst>
-              <a:ext uri="{FF2B5EF4-FFF2-40B4-BE49-F238E27FC236}">
-                <a16:creationId xmlns:a16="http://schemas.microsoft.com/office/drawing/2014/main" id="{4E022558-08EA-41A8-88BE-1F82971F0E31}"/>
-              </a:ext>
-            </a:extLst>
-          </p:cNvPr>
-          <p:cNvSpPr>
-            <a:spLocks noGrp="1"/>
-          </p:cNvSpPr>
-          <p:nvPr>
-            <p:ph sz="quarter" idx="4"/>
-          </p:nvPr>
-        </p:nvSpPr>
-        <p:spPr>
-          <a:xfrm>
-            <a:off x="4404360" y="2560320"/>
-            <a:ext cx="3383280" cy="3446463"/>
-          </a:xfrm>
-        </p:spPr>
-        <p:txBody>
-          <a:bodyPr>
-            <a:noAutofit/>
-          </a:bodyPr>
-          <a:lstStyle/>
-          <a:p>
-            <a:r>
-              <a:rPr lang="en-US" dirty="0"/>
-              <a:t>Open the Design Ideas pane for instant slide makeovers. </a:t>
-            </a:r>
-          </a:p>
-          <a:p>
-            <a:r>
-              <a:rPr lang="en-US" dirty="0"/>
-              <a:t>When we have design ideas, we’ll show them to you right there. </a:t>
-            </a:r>
-          </a:p>
-          <a:p>
-            <a:endParaRPr lang="en-US" dirty="0"/>
-          </a:p>
-        </p:txBody>
-      </p:sp>
-      <p:sp>
-        <p:nvSpPr>
-          <p:cNvPr id="7" name="Text Placeholder 6">
-            <a:extLst>
-              <a:ext uri="{FF2B5EF4-FFF2-40B4-BE49-F238E27FC236}">
-                <a16:creationId xmlns:a16="http://schemas.microsoft.com/office/drawing/2014/main" id="{3EA34E7E-6BB0-4276-9993-7D15DAF830EB}"/>
-              </a:ext>
-            </a:extLst>
-          </p:cNvPr>
-          <p:cNvSpPr>
-            <a:spLocks noGrp="1"/>
-          </p:cNvSpPr>
-          <p:nvPr>
-            <p:ph type="body" sz="quarter" idx="13"/>
-          </p:nvPr>
-        </p:nvSpPr>
-        <p:spPr>
-          <a:xfrm>
-            <a:off x="7968934" y="2011680"/>
-            <a:ext cx="3383280" cy="530352"/>
-          </a:xfrm>
-        </p:spPr>
-        <p:txBody>
-          <a:bodyPr>
-            <a:normAutofit/>
-          </a:bodyPr>
-          <a:lstStyle/>
-          <a:p>
-            <a:r>
-              <a:rPr lang="en-US" dirty="0"/>
-              <a:t>Subtitle</a:t>
-            </a:r>
-          </a:p>
-        </p:txBody>
-      </p:sp>
-      <p:sp>
-        <p:nvSpPr>
-          <p:cNvPr id="8" name="Content Placeholder 7">
-            <a:extLst>
-              <a:ext uri="{FF2B5EF4-FFF2-40B4-BE49-F238E27FC236}">
-                <a16:creationId xmlns:a16="http://schemas.microsoft.com/office/drawing/2014/main" id="{C6AEC234-75AE-4C73-8E75-A426AAC54462}"/>
-              </a:ext>
-            </a:extLst>
-          </p:cNvPr>
-          <p:cNvSpPr>
-            <a:spLocks noGrp="1"/>
-          </p:cNvSpPr>
-          <p:nvPr>
-            <p:ph sz="quarter" idx="14"/>
-          </p:nvPr>
-        </p:nvSpPr>
-        <p:spPr>
-          <a:xfrm>
-            <a:off x="7968934" y="2560320"/>
-            <a:ext cx="3383280" cy="3446463"/>
-          </a:xfrm>
-        </p:spPr>
-        <p:txBody>
-          <a:bodyPr>
-            <a:noAutofit/>
-          </a:bodyPr>
-          <a:lstStyle/>
-          <a:p>
-            <a:r>
-              <a:rPr lang="en-US" dirty="0"/>
-              <a:t>This PowerPoint theme uses its own unique set of colors, fonts, and effects to create the overall look and feel of these slides. </a:t>
-            </a:r>
-          </a:p>
-          <a:p>
-            <a:r>
-              <a:rPr lang="en-US" dirty="0"/>
-              <a:t>PowerPoint has tons of themes to give your presentation just the right personality. </a:t>
-            </a:r>
-          </a:p>
-        </p:txBody>
-      </p:sp>
-      <p:sp>
-        <p:nvSpPr>
-          <p:cNvPr id="10" name="Footer Placeholder 9">
-            <a:extLst>
-              <a:ext uri="{FF2B5EF4-FFF2-40B4-BE49-F238E27FC236}">
-                <a16:creationId xmlns:a16="http://schemas.microsoft.com/office/drawing/2014/main" id="{43032B0D-C227-4CB9-85CC-4B9B8BF1621E}"/>
-              </a:ext>
-            </a:extLst>
-          </p:cNvPr>
-          <p:cNvSpPr>
-            <a:spLocks noGrp="1"/>
-          </p:cNvSpPr>
-          <p:nvPr>
-            <p:ph type="ftr" sz="quarter" idx="11"/>
-          </p:nvPr>
-        </p:nvSpPr>
-        <p:spPr>
-          <a:xfrm>
-            <a:off x="4038600" y="6429375"/>
-            <a:ext cx="4114800" cy="365125"/>
-          </a:xfrm>
-        </p:spPr>
-        <p:txBody>
-          <a:bodyPr/>
-          <a:lstStyle/>
-          <a:p>
-            <a:r>
-              <a:rPr lang="en-US"/>
-              <a:t>SAMPLE FOOTER TEXT</a:t>
-            </a:r>
-          </a:p>
-        </p:txBody>
-      </p:sp>
-      <p:sp>
-        <p:nvSpPr>
-          <p:cNvPr id="11" name="Slide Number Placeholder 10">
-            <a:extLst>
-              <a:ext uri="{FF2B5EF4-FFF2-40B4-BE49-F238E27FC236}">
-                <a16:creationId xmlns:a16="http://schemas.microsoft.com/office/drawing/2014/main" id="{5F67B498-D587-4BC1-B0F3-4316C41ADDF9}"/>
-              </a:ext>
-            </a:extLst>
-          </p:cNvPr>
-          <p:cNvSpPr>
-            <a:spLocks noGrp="1"/>
-          </p:cNvSpPr>
-          <p:nvPr>
-            <p:ph type="sldNum" sz="quarter" idx="12"/>
-          </p:nvPr>
-        </p:nvSpPr>
-        <p:spPr>
-          <a:xfrm>
-            <a:off x="8610600" y="6429375"/>
-            <a:ext cx="2743200" cy="365125"/>
-          </a:xfrm>
-        </p:spPr>
-        <p:txBody>
-          <a:bodyPr/>
-          <a:lstStyle/>
-          <a:p>
-            <a:fld id="{28844951-7827-47D4-8276-7DDE1FA7D85A}" type="slidenum">
-              <a:rPr lang="en-US" smtClean="0"/>
-              <a:pPr/>
-              <a:t>10</a:t>
-            </a:fld>
-            <a:endParaRPr lang="en-US"/>
+              <a:t>Presenter name</a:t>
+            </a:r>
           </a:p>
         </p:txBody>
       </p:sp>
     </p:spTree>
     <p:extLst>
       <p:ext uri="{BB962C8B-B14F-4D97-AF65-F5344CB8AC3E}">
-        <p14:creationId xmlns:p14="http://schemas.microsoft.com/office/powerpoint/2010/main" val="2911269246"/>
+        <p14:creationId xmlns:p14="http://schemas.microsoft.com/office/powerpoint/2010/main" val="703580386"/>
       </p:ext>
     </p:extLst>
   </p:cSld>
@@ -13411,7 +13135,7 @@
 </p:sld>
 </file>
 
-<file path=ppt/slides/slide115.xml><?xml version="1.0" encoding="utf-8"?>
+<file path=ppt/slides/slide10.xml><?xml version="1.0" encoding="utf-8"?>
 <p:sld xmlns:a="http://schemas.openxmlformats.org/drawingml/2006/main" xmlns:r="http://schemas.openxmlformats.org/officeDocument/2006/relationships" xmlns:p="http://schemas.openxmlformats.org/presentationml/2006/main">
   <p:cSld>
     <p:spTree>
@@ -13433,7 +13157,7 @@
           <p:cNvPr id="2" name="Title 1">
             <a:extLst>
               <a:ext uri="{FF2B5EF4-FFF2-40B4-BE49-F238E27FC236}">
-                <a16:creationId xmlns:a16="http://schemas.microsoft.com/office/drawing/2014/main" id="{40C58CC6-FF60-4FC8-BA35-52A8BDDCF95E}"/>
+                <a16:creationId xmlns:a16="http://schemas.microsoft.com/office/drawing/2014/main" id="{2C360FCC-0BF5-45B2-9CDD-17A4BA1878EE}"/>
               </a:ext>
             </a:extLst>
           </p:cNvPr>
@@ -13446,8 +13170,8 @@
         </p:nvSpPr>
         <p:spPr>
           <a:xfrm>
-            <a:off x="841248" y="857251"/>
-            <a:ext cx="6156051" cy="2076450"/>
+            <a:off x="839788" y="685800"/>
+            <a:ext cx="10515600" cy="1325880"/>
           </a:xfrm>
         </p:spPr>
         <p:txBody>
@@ -13456,31 +13180,66 @@
           <a:p>
             <a:r>
               <a:rPr lang="en-US" dirty="0"/>
-              <a:t>Summary</a:t>
-            </a:r>
-          </a:p>
-        </p:txBody>
-      </p:sp>
-      <p:sp>
-        <p:nvSpPr>
-          <p:cNvPr id="3" name="Content Placeholder 2">
-            <a:extLst>
-              <a:ext uri="{FF2B5EF4-FFF2-40B4-BE49-F238E27FC236}">
-                <a16:creationId xmlns:a16="http://schemas.microsoft.com/office/drawing/2014/main" id="{BF0E0066-50A4-4BA2-9D04-DA968D2AB1C6}"/>
-              </a:ext>
-            </a:extLst>
-          </p:cNvPr>
-          <p:cNvSpPr>
-            <a:spLocks noGrp="1"/>
-          </p:cNvSpPr>
-          <p:nvPr>
-            <p:ph idx="1"/>
+              <a:t>Content </a:t>
+            </a:r>
+          </a:p>
+        </p:txBody>
+      </p:sp>
+      <p:sp>
+        <p:nvSpPr>
+          <p:cNvPr id="3" name="Text Placeholder 2">
+            <a:extLst>
+              <a:ext uri="{FF2B5EF4-FFF2-40B4-BE49-F238E27FC236}">
+                <a16:creationId xmlns:a16="http://schemas.microsoft.com/office/drawing/2014/main" id="{88BA67A4-895F-49F8-97D0-7158E0597C07}"/>
+              </a:ext>
+            </a:extLst>
+          </p:cNvPr>
+          <p:cNvSpPr>
+            <a:spLocks noGrp="1"/>
+          </p:cNvSpPr>
+          <p:nvPr>
+            <p:ph type="body" idx="1"/>
           </p:nvPr>
         </p:nvSpPr>
         <p:spPr>
           <a:xfrm>
-            <a:off x="841247" y="3190875"/>
-            <a:ext cx="6156052" cy="2986087"/>
+            <a:off x="839788" y="2011680"/>
+            <a:ext cx="3383280" cy="530352"/>
+          </a:xfrm>
+        </p:spPr>
+        <p:txBody>
+          <a:bodyPr>
+            <a:normAutofit/>
+          </a:bodyPr>
+          <a:lstStyle/>
+          <a:p>
+            <a:r>
+              <a:rPr lang="en-US" dirty="0"/>
+              <a:t>Subtitle</a:t>
+            </a:r>
+          </a:p>
+        </p:txBody>
+      </p:sp>
+      <p:sp>
+        <p:nvSpPr>
+          <p:cNvPr id="4" name="Content Placeholder 3">
+            <a:extLst>
+              <a:ext uri="{FF2B5EF4-FFF2-40B4-BE49-F238E27FC236}">
+                <a16:creationId xmlns:a16="http://schemas.microsoft.com/office/drawing/2014/main" id="{020BAF9D-516C-4AC0-B83C-33BFA6E280A1}"/>
+              </a:ext>
+            </a:extLst>
+          </p:cNvPr>
+          <p:cNvSpPr>
+            <a:spLocks noGrp="1"/>
+          </p:cNvSpPr>
+          <p:nvPr>
+            <p:ph sz="half" idx="2"/>
+          </p:nvPr>
+        </p:nvSpPr>
+        <p:spPr>
+          <a:xfrm>
+            <a:off x="839788" y="2560320"/>
+            <a:ext cx="3383280" cy="3446463"/>
           </a:xfrm>
         </p:spPr>
         <p:txBody>
@@ -13491,85 +13250,187 @@
           <a:p>
             <a:r>
               <a:rPr lang="en-US" dirty="0"/>
-              <a:t>With PowerPoint, you can create presentations and share your work with others, wherever they are. Type the text you want here to get started. You can also add images, art, and videos on this template. Save to OneDrive and access your presentations from your computer, tablet, or phone. </a:t>
-            </a:r>
-          </a:p>
-        </p:txBody>
-      </p:sp>
-      <p:pic>
-        <p:nvPicPr>
-          <p:cNvPr id="7" name="Picture Placeholder 6" descr="Photo of artist  with a paint brush brushing on orange paint on a palette">
-            <a:extLst>
-              <a:ext uri="{FF2B5EF4-FFF2-40B4-BE49-F238E27FC236}">
-                <a16:creationId xmlns:a16="http://schemas.microsoft.com/office/drawing/2014/main" id="{7D1EAA44-4F3D-44D6-B1B6-5140800EC0A7}"/>
-              </a:ext>
-            </a:extLst>
-          </p:cNvPr>
-          <p:cNvPicPr>
-            <a:picLocks noGrp="1" noChangeAspect="1"/>
-          </p:cNvPicPr>
-          <p:nvPr>
-            <p:ph type="pic" sz="quarter" idx="13"/>
-          </p:nvPr>
-        </p:nvPicPr>
-        <p:blipFill rotWithShape="1">
-          <a:blip r:embed="rId2" cstate="screen">
-            <a:extLst>
-              <a:ext uri="{28A0092B-C50C-407E-A947-70E740481C1C}">
-                <a14:useLocalDpi xmlns:a14="http://schemas.microsoft.com/office/drawing/2010/main" val="0"/>
-              </a:ext>
-            </a:extLst>
-          </a:blip>
-          <a:srcRect/>
-          <a:stretch/>
-        </p:blipFill>
+              <a:t>Add text, images, art, and videos. </a:t>
+            </a:r>
+          </a:p>
+          <a:p>
+            <a:r>
+              <a:rPr lang="en-US" dirty="0"/>
+              <a:t>Add transitions, animations, and motion. </a:t>
+            </a:r>
+          </a:p>
+          <a:p>
+            <a:r>
+              <a:rPr lang="en-US" dirty="0"/>
+              <a:t>Save to OneDrive, to get to your presentations from your computer, tablet, or phone. </a:t>
+            </a:r>
+          </a:p>
+          <a:p>
+            <a:endParaRPr lang="en-US" dirty="0"/>
+          </a:p>
+        </p:txBody>
+      </p:sp>
+      <p:sp>
+        <p:nvSpPr>
+          <p:cNvPr id="5" name="Text Placeholder 4">
+            <a:extLst>
+              <a:ext uri="{FF2B5EF4-FFF2-40B4-BE49-F238E27FC236}">
+                <a16:creationId xmlns:a16="http://schemas.microsoft.com/office/drawing/2014/main" id="{5951D7A3-45F6-43A4-8ADB-05DA212ADAAF}"/>
+              </a:ext>
+            </a:extLst>
+          </p:cNvPr>
+          <p:cNvSpPr>
+            <a:spLocks noGrp="1"/>
+          </p:cNvSpPr>
+          <p:nvPr>
+            <p:ph type="body" sz="quarter" idx="3"/>
+          </p:nvPr>
+        </p:nvSpPr>
         <p:spPr>
           <a:xfrm>
-            <a:off x="7424928" y="484632"/>
-            <a:ext cx="4279392" cy="2862072"/>
+            <a:off x="4404360" y="2011680"/>
+            <a:ext cx="3383280" cy="530352"/>
           </a:xfrm>
         </p:spPr>
-      </p:pic>
-      <p:pic>
-        <p:nvPicPr>
-          <p:cNvPr id="9" name="Picture Placeholder 8" descr="Photo of an artist opening up a tube of paint">
-            <a:extLst>
-              <a:ext uri="{FF2B5EF4-FFF2-40B4-BE49-F238E27FC236}">
-                <a16:creationId xmlns:a16="http://schemas.microsoft.com/office/drawing/2014/main" id="{78CF4775-4C31-488E-AB32-6C7A887A129B}"/>
-              </a:ext>
-            </a:extLst>
-          </p:cNvPr>
-          <p:cNvPicPr>
-            <a:picLocks noGrp="1" noChangeAspect="1"/>
-          </p:cNvPicPr>
-          <p:nvPr>
-            <p:ph type="pic" sz="quarter" idx="14"/>
-          </p:nvPr>
-        </p:nvPicPr>
-        <p:blipFill rotWithShape="1">
-          <a:blip r:embed="rId3" cstate="screen">
-            <a:extLst>
-              <a:ext uri="{28A0092B-C50C-407E-A947-70E740481C1C}">
-                <a14:useLocalDpi xmlns:a14="http://schemas.microsoft.com/office/drawing/2010/main" val="0"/>
-              </a:ext>
-            </a:extLst>
-          </a:blip>
-          <a:srcRect/>
-          <a:stretch/>
-        </p:blipFill>
+        <p:txBody>
+          <a:bodyPr>
+            <a:normAutofit/>
+          </a:bodyPr>
+          <a:lstStyle/>
+          <a:p>
+            <a:r>
+              <a:rPr lang="en-US" dirty="0"/>
+              <a:t>Subtitle</a:t>
+            </a:r>
+          </a:p>
+        </p:txBody>
+      </p:sp>
+      <p:sp>
+        <p:nvSpPr>
+          <p:cNvPr id="6" name="Content Placeholder 5">
+            <a:extLst>
+              <a:ext uri="{FF2B5EF4-FFF2-40B4-BE49-F238E27FC236}">
+                <a16:creationId xmlns:a16="http://schemas.microsoft.com/office/drawing/2014/main" id="{4E022558-08EA-41A8-88BE-1F82971F0E31}"/>
+              </a:ext>
+            </a:extLst>
+          </p:cNvPr>
+          <p:cNvSpPr>
+            <a:spLocks noGrp="1"/>
+          </p:cNvSpPr>
+          <p:nvPr>
+            <p:ph sz="quarter" idx="4"/>
+          </p:nvPr>
+        </p:nvSpPr>
         <p:spPr>
           <a:xfrm>
-            <a:off x="7424928" y="3511296"/>
-            <a:ext cx="4279392" cy="2862072"/>
+            <a:off x="4404360" y="2560320"/>
+            <a:ext cx="3383280" cy="3446463"/>
           </a:xfrm>
         </p:spPr>
-      </p:pic>
-      <p:sp>
-        <p:nvSpPr>
-          <p:cNvPr id="11" name="Footer Placeholder 10">
-            <a:extLst>
-              <a:ext uri="{FF2B5EF4-FFF2-40B4-BE49-F238E27FC236}">
-                <a16:creationId xmlns:a16="http://schemas.microsoft.com/office/drawing/2014/main" id="{ECB2F7A7-6A7C-429F-A261-494305D5DDAD}"/>
+        <p:txBody>
+          <a:bodyPr>
+            <a:noAutofit/>
+          </a:bodyPr>
+          <a:lstStyle/>
+          <a:p>
+            <a:r>
+              <a:rPr lang="en-US" dirty="0"/>
+              <a:t>Open the Design Ideas pane for instant slide makeovers. </a:t>
+            </a:r>
+          </a:p>
+          <a:p>
+            <a:r>
+              <a:rPr lang="en-US" dirty="0"/>
+              <a:t>When we have design ideas, we’ll show them to you right there. </a:t>
+            </a:r>
+          </a:p>
+          <a:p>
+            <a:endParaRPr lang="en-US" dirty="0"/>
+          </a:p>
+        </p:txBody>
+      </p:sp>
+      <p:sp>
+        <p:nvSpPr>
+          <p:cNvPr id="7" name="Text Placeholder 6">
+            <a:extLst>
+              <a:ext uri="{FF2B5EF4-FFF2-40B4-BE49-F238E27FC236}">
+                <a16:creationId xmlns:a16="http://schemas.microsoft.com/office/drawing/2014/main" id="{3EA34E7E-6BB0-4276-9993-7D15DAF830EB}"/>
+              </a:ext>
+            </a:extLst>
+          </p:cNvPr>
+          <p:cNvSpPr>
+            <a:spLocks noGrp="1"/>
+          </p:cNvSpPr>
+          <p:nvPr>
+            <p:ph type="body" sz="quarter" idx="13"/>
+          </p:nvPr>
+        </p:nvSpPr>
+        <p:spPr>
+          <a:xfrm>
+            <a:off x="7968934" y="2011680"/>
+            <a:ext cx="3383280" cy="530352"/>
+          </a:xfrm>
+        </p:spPr>
+        <p:txBody>
+          <a:bodyPr>
+            <a:normAutofit/>
+          </a:bodyPr>
+          <a:lstStyle/>
+          <a:p>
+            <a:r>
+              <a:rPr lang="en-US" dirty="0"/>
+              <a:t>Subtitle</a:t>
+            </a:r>
+          </a:p>
+        </p:txBody>
+      </p:sp>
+      <p:sp>
+        <p:nvSpPr>
+          <p:cNvPr id="8" name="Content Placeholder 7">
+            <a:extLst>
+              <a:ext uri="{FF2B5EF4-FFF2-40B4-BE49-F238E27FC236}">
+                <a16:creationId xmlns:a16="http://schemas.microsoft.com/office/drawing/2014/main" id="{C6AEC234-75AE-4C73-8E75-A426AAC54462}"/>
+              </a:ext>
+            </a:extLst>
+          </p:cNvPr>
+          <p:cNvSpPr>
+            <a:spLocks noGrp="1"/>
+          </p:cNvSpPr>
+          <p:nvPr>
+            <p:ph sz="quarter" idx="14"/>
+          </p:nvPr>
+        </p:nvSpPr>
+        <p:spPr>
+          <a:xfrm>
+            <a:off x="7968934" y="2560320"/>
+            <a:ext cx="3383280" cy="3446463"/>
+          </a:xfrm>
+        </p:spPr>
+        <p:txBody>
+          <a:bodyPr>
+            <a:noAutofit/>
+          </a:bodyPr>
+          <a:lstStyle/>
+          <a:p>
+            <a:r>
+              <a:rPr lang="en-US" dirty="0"/>
+              <a:t>This PowerPoint theme uses its own unique set of colors, fonts, and effects to create the overall look and feel of these slides. </a:t>
+            </a:r>
+          </a:p>
+          <a:p>
+            <a:r>
+              <a:rPr lang="en-US" dirty="0"/>
+              <a:t>PowerPoint has tons of themes to give your presentation just the right personality. </a:t>
+            </a:r>
+          </a:p>
+        </p:txBody>
+      </p:sp>
+      <p:sp>
+        <p:nvSpPr>
+          <p:cNvPr id="10" name="Footer Placeholder 9">
+            <a:extLst>
+              <a:ext uri="{FF2B5EF4-FFF2-40B4-BE49-F238E27FC236}">
+                <a16:creationId xmlns:a16="http://schemas.microsoft.com/office/drawing/2014/main" id="{43032B0D-C227-4CB9-85CC-4B9B8BF1621E}"/>
               </a:ext>
             </a:extLst>
           </p:cNvPr>
@@ -13599,10 +13460,10 @@
       </p:sp>
       <p:sp>
         <p:nvSpPr>
-          <p:cNvPr id="12" name="Slide Number Placeholder 11">
-            <a:extLst>
-              <a:ext uri="{FF2B5EF4-FFF2-40B4-BE49-F238E27FC236}">
-                <a16:creationId xmlns:a16="http://schemas.microsoft.com/office/drawing/2014/main" id="{7F068389-EB02-493E-9416-4F35FEE4D01F}"/>
+          <p:cNvPr id="11" name="Slide Number Placeholder 10">
+            <a:extLst>
+              <a:ext uri="{FF2B5EF4-FFF2-40B4-BE49-F238E27FC236}">
+                <a16:creationId xmlns:a16="http://schemas.microsoft.com/office/drawing/2014/main" id="{5F67B498-D587-4BC1-B0F3-4316C41ADDF9}"/>
               </a:ext>
             </a:extLst>
           </p:cNvPr>
@@ -13626,7 +13487,7 @@
             <a:fld id="{28844951-7827-47D4-8276-7DDE1FA7D85A}" type="slidenum">
               <a:rPr lang="en-US" smtClean="0"/>
               <a:pPr/>
-              <a:t>11</a:t>
+              <a:t>10</a:t>
             </a:fld>
             <a:endParaRPr lang="en-US"/>
           </a:p>
@@ -13635,7 +13496,7 @@
     </p:spTree>
     <p:extLst>
       <p:ext uri="{BB962C8B-B14F-4D97-AF65-F5344CB8AC3E}">
-        <p14:creationId xmlns:p14="http://schemas.microsoft.com/office/powerpoint/2010/main" val="943091750"/>
+        <p14:creationId xmlns:p14="http://schemas.microsoft.com/office/powerpoint/2010/main" val="2911269246"/>
       </p:ext>
     </p:extLst>
   </p:cSld>
@@ -13645,7 +13506,7 @@
 </p:sld>
 </file>
 
-<file path=ppt/slides/slide122.xml><?xml version="1.0" encoding="utf-8"?>
+<file path=ppt/slides/slide11.xml><?xml version="1.0" encoding="utf-8"?>
 <p:sld xmlns:a="http://schemas.openxmlformats.org/drawingml/2006/main" xmlns:r="http://schemas.openxmlformats.org/officeDocument/2006/relationships" xmlns:p="http://schemas.openxmlformats.org/presentationml/2006/main">
   <p:cSld>
     <p:spTree>
@@ -13667,7 +13528,7 @@
           <p:cNvPr id="2" name="Title 1">
             <a:extLst>
               <a:ext uri="{FF2B5EF4-FFF2-40B4-BE49-F238E27FC236}">
-                <a16:creationId xmlns:a16="http://schemas.microsoft.com/office/drawing/2014/main" id="{4183DBD4-E398-4AA3-AEC1-4BF03FC59886}"/>
+                <a16:creationId xmlns:a16="http://schemas.microsoft.com/office/drawing/2014/main" id="{40C58CC6-FF60-4FC8-BA35-52A8BDDCF95E}"/>
               </a:ext>
             </a:extLst>
           </p:cNvPr>
@@ -13680,8 +13541,8 @@
         </p:nvSpPr>
         <p:spPr>
           <a:xfrm>
-            <a:off x="841248" y="3893769"/>
-            <a:ext cx="5992550" cy="2319306"/>
+            <a:off x="841248" y="857251"/>
+            <a:ext cx="6156051" cy="2076450"/>
           </a:xfrm>
         </p:spPr>
         <p:txBody>
@@ -13690,17 +13551,52 @@
           <a:p>
             <a:r>
               <a:rPr lang="en-US" dirty="0"/>
-              <a:t>Thank you</a:t>
+              <a:t>Summary</a:t>
+            </a:r>
+          </a:p>
+        </p:txBody>
+      </p:sp>
+      <p:sp>
+        <p:nvSpPr>
+          <p:cNvPr id="3" name="Content Placeholder 2">
+            <a:extLst>
+              <a:ext uri="{FF2B5EF4-FFF2-40B4-BE49-F238E27FC236}">
+                <a16:creationId xmlns:a16="http://schemas.microsoft.com/office/drawing/2014/main" id="{BF0E0066-50A4-4BA2-9D04-DA968D2AB1C6}"/>
+              </a:ext>
+            </a:extLst>
+          </p:cNvPr>
+          <p:cNvSpPr>
+            <a:spLocks noGrp="1"/>
+          </p:cNvSpPr>
+          <p:nvPr>
+            <p:ph idx="1"/>
+          </p:nvPr>
+        </p:nvSpPr>
+        <p:spPr>
+          <a:xfrm>
+            <a:off x="841247" y="3190875"/>
+            <a:ext cx="6156052" cy="2986087"/>
+          </a:xfrm>
+        </p:spPr>
+        <p:txBody>
+          <a:bodyPr>
+            <a:noAutofit/>
+          </a:bodyPr>
+          <a:lstStyle/>
+          <a:p>
+            <a:r>
+              <a:rPr lang="en-US" dirty="0"/>
+              <a:t>With PowerPoint, you can create presentations and share your work with others, wherever they are. Type the text you want here to get started. You can also add images, art, and videos on this template. Save to OneDrive and access your presentations from your computer, tablet, or phone. </a:t>
             </a:r>
           </a:p>
         </p:txBody>
       </p:sp>
       <p:pic>
         <p:nvPicPr>
-          <p:cNvPr id="6" name="Picture Placeholder 5" descr="Photo of a bunch of clean artist paintbrushes">
-            <a:extLst>
-              <a:ext uri="{FF2B5EF4-FFF2-40B4-BE49-F238E27FC236}">
-                <a16:creationId xmlns:a16="http://schemas.microsoft.com/office/drawing/2014/main" id="{D7D1C07D-75DD-4A12-9C4C-A9C3E052A3D0}"/>
+          <p:cNvPr id="7" name="Picture Placeholder 6" descr="Photo of artist  with a paint brush brushing on orange paint on a palette">
+            <a:extLst>
+              <a:ext uri="{FF2B5EF4-FFF2-40B4-BE49-F238E27FC236}">
+                <a16:creationId xmlns:a16="http://schemas.microsoft.com/office/drawing/2014/main" id="{7D1EAA44-4F3D-44D6-B1B6-5140800EC0A7}"/>
               </a:ext>
             </a:extLst>
           </p:cNvPr>
@@ -13724,62 +13620,51 @@
         </p:blipFill>
         <p:spPr>
           <a:xfrm>
-            <a:off x="493776" y="484632"/>
-            <a:ext cx="11210544" cy="3191256"/>
+            <a:off x="7424928" y="484632"/>
+            <a:ext cx="4279392" cy="2862072"/>
           </a:xfrm>
         </p:spPr>
       </p:pic>
-      <p:sp>
-        <p:nvSpPr>
-          <p:cNvPr id="3" name="Content Placeholder 2">
-            <a:extLst>
-              <a:ext uri="{FF2B5EF4-FFF2-40B4-BE49-F238E27FC236}">
-                <a16:creationId xmlns:a16="http://schemas.microsoft.com/office/drawing/2014/main" id="{02F80182-DF99-445E-8055-837D597C38A5}"/>
-              </a:ext>
-            </a:extLst>
-          </p:cNvPr>
-          <p:cNvSpPr>
-            <a:spLocks noGrp="1"/>
-          </p:cNvSpPr>
-          <p:nvPr>
-            <p:ph idx="1"/>
-          </p:nvPr>
-        </p:nvSpPr>
+      <p:pic>
+        <p:nvPicPr>
+          <p:cNvPr id="9" name="Picture Placeholder 8" descr="Photo of an artist opening up a tube of paint">
+            <a:extLst>
+              <a:ext uri="{FF2B5EF4-FFF2-40B4-BE49-F238E27FC236}">
+                <a16:creationId xmlns:a16="http://schemas.microsoft.com/office/drawing/2014/main" id="{78CF4775-4C31-488E-AB32-6C7A887A129B}"/>
+              </a:ext>
+            </a:extLst>
+          </p:cNvPr>
+          <p:cNvPicPr>
+            <a:picLocks noGrp="1" noChangeAspect="1"/>
+          </p:cNvPicPr>
+          <p:nvPr>
+            <p:ph type="pic" sz="quarter" idx="14"/>
+          </p:nvPr>
+        </p:nvPicPr>
+        <p:blipFill rotWithShape="1">
+          <a:blip r:embed="rId3" cstate="screen">
+            <a:extLst>
+              <a:ext uri="{28A0092B-C50C-407E-A947-70E740481C1C}">
+                <a14:useLocalDpi xmlns:a14="http://schemas.microsoft.com/office/drawing/2010/main" val="0"/>
+              </a:ext>
+            </a:extLst>
+          </a:blip>
+          <a:srcRect/>
+          <a:stretch/>
+        </p:blipFill>
         <p:spPr>
           <a:xfrm>
-            <a:off x="6979133" y="3893770"/>
-            <a:ext cx="4377714" cy="2319306"/>
+            <a:off x="7424928" y="3511296"/>
+            <a:ext cx="4279392" cy="2862072"/>
           </a:xfrm>
         </p:spPr>
-        <p:txBody>
-          <a:bodyPr/>
-          <a:lstStyle/>
-          <a:p>
-            <a:r>
-              <a:rPr lang="en-US" dirty="0"/>
-              <a:t>Presenter name</a:t>
-            </a:r>
-          </a:p>
-          <a:p>
-            <a:r>
-              <a:rPr lang="en-US" dirty="0"/>
-              <a:t>Email address</a:t>
-            </a:r>
-          </a:p>
-          <a:p>
-            <a:r>
-              <a:rPr lang="en-US" dirty="0"/>
-              <a:t>Website address</a:t>
-            </a:r>
-          </a:p>
-        </p:txBody>
-      </p:sp>
-      <p:sp>
-        <p:nvSpPr>
-          <p:cNvPr id="8" name="Footer Placeholder 7">
-            <a:extLst>
-              <a:ext uri="{FF2B5EF4-FFF2-40B4-BE49-F238E27FC236}">
-                <a16:creationId xmlns:a16="http://schemas.microsoft.com/office/drawing/2014/main" id="{F60FABF8-6F79-4985-A2FB-99DAD9E63042}"/>
+      </p:pic>
+      <p:sp>
+        <p:nvSpPr>
+          <p:cNvPr id="11" name="Footer Placeholder 10">
+            <a:extLst>
+              <a:ext uri="{FF2B5EF4-FFF2-40B4-BE49-F238E27FC236}">
+                <a16:creationId xmlns:a16="http://schemas.microsoft.com/office/drawing/2014/main" id="{ECB2F7A7-6A7C-429F-A261-494305D5DDAD}"/>
               </a:ext>
             </a:extLst>
           </p:cNvPr>
@@ -13809,10 +13694,10 @@
       </p:sp>
       <p:sp>
         <p:nvSpPr>
-          <p:cNvPr id="9" name="Slide Number Placeholder 8">
-            <a:extLst>
-              <a:ext uri="{FF2B5EF4-FFF2-40B4-BE49-F238E27FC236}">
-                <a16:creationId xmlns:a16="http://schemas.microsoft.com/office/drawing/2014/main" id="{88A55AA7-3B73-477B-A886-58F8E99420E9}"/>
+          <p:cNvPr id="12" name="Slide Number Placeholder 11">
+            <a:extLst>
+              <a:ext uri="{FF2B5EF4-FFF2-40B4-BE49-F238E27FC236}">
+                <a16:creationId xmlns:a16="http://schemas.microsoft.com/office/drawing/2014/main" id="{7F068389-EB02-493E-9416-4F35FEE4D01F}"/>
               </a:ext>
             </a:extLst>
           </p:cNvPr>
@@ -13836,7 +13721,7 @@
             <a:fld id="{28844951-7827-47D4-8276-7DDE1FA7D85A}" type="slidenum">
               <a:rPr lang="en-US" smtClean="0"/>
               <a:pPr/>
-              <a:t>12</a:t>
+              <a:t>11</a:t>
             </a:fld>
             <a:endParaRPr lang="en-US"/>
           </a:p>
@@ -13845,7 +13730,7 @@
     </p:spTree>
     <p:extLst>
       <p:ext uri="{BB962C8B-B14F-4D97-AF65-F5344CB8AC3E}">
-        <p14:creationId xmlns:p14="http://schemas.microsoft.com/office/powerpoint/2010/main" val="1510143952"/>
+        <p14:creationId xmlns:p14="http://schemas.microsoft.com/office/powerpoint/2010/main" val="943091750"/>
       </p:ext>
     </p:extLst>
   </p:cSld>
@@ -13855,7 +13740,7 @@
 </p:sld>
 </file>
 
-<file path=ppt/slides/slide16.xml><?xml version="1.0" encoding="utf-8"?>
+<file path=ppt/slides/slide12.xml><?xml version="1.0" encoding="utf-8"?>
 <p:sld xmlns:a="http://schemas.openxmlformats.org/drawingml/2006/main" xmlns:r="http://schemas.openxmlformats.org/officeDocument/2006/relationships" xmlns:p="http://schemas.openxmlformats.org/presentationml/2006/main">
   <p:cSld>
     <p:spTree>
@@ -13874,59 +13759,93 @@
       </p:grpSpPr>
       <p:sp>
         <p:nvSpPr>
-          <p:cNvPr id="4" name="Title 3">
-            <a:extLst>
-              <a:ext uri="{FF2B5EF4-FFF2-40B4-BE49-F238E27FC236}">
-                <a16:creationId xmlns:a16="http://schemas.microsoft.com/office/drawing/2014/main" id="{2E9A7C78-91FD-4B88-953D-5A4363761BD1}"/>
-              </a:ext>
-            </a:extLst>
-          </p:cNvPr>
-          <p:cNvSpPr>
-            <a:spLocks noGrp="1"/>
-          </p:cNvSpPr>
-          <p:nvPr>
-            <p:ph type="ctrTitle"/>
+          <p:cNvPr id="2" name="Title 1">
+            <a:extLst>
+              <a:ext uri="{FF2B5EF4-FFF2-40B4-BE49-F238E27FC236}">
+                <a16:creationId xmlns:a16="http://schemas.microsoft.com/office/drawing/2014/main" id="{4183DBD4-E398-4AA3-AEC1-4BF03FC59886}"/>
+              </a:ext>
+            </a:extLst>
+          </p:cNvPr>
+          <p:cNvSpPr>
+            <a:spLocks noGrp="1"/>
+          </p:cNvSpPr>
+          <p:nvPr>
+            <p:ph type="title"/>
           </p:nvPr>
         </p:nvSpPr>
         <p:spPr>
           <a:xfrm>
-            <a:off x="1527050" y="1121700"/>
-            <a:ext cx="9144000" cy="2387600"/>
+            <a:off x="841248" y="3893769"/>
+            <a:ext cx="5992550" cy="2319306"/>
           </a:xfrm>
         </p:spPr>
         <p:txBody>
-          <a:bodyPr anchor="b" anchorCtr="0"/>
+          <a:bodyPr/>
           <a:lstStyle/>
           <a:p>
             <a:r>
               <a:rPr lang="en-US" dirty="0"/>
-              <a:t>Presentation title</a:t>
-            </a:r>
-          </a:p>
-        </p:txBody>
-      </p:sp>
-      <p:sp>
-        <p:nvSpPr>
-          <p:cNvPr id="5" name="Subtitle 4">
-            <a:extLst>
-              <a:ext uri="{FF2B5EF4-FFF2-40B4-BE49-F238E27FC236}">
-                <a16:creationId xmlns:a16="http://schemas.microsoft.com/office/drawing/2014/main" id="{AD04BED3-CF2E-4CAD-8CE8-ED3ED12AEBD6}"/>
-              </a:ext>
-            </a:extLst>
-          </p:cNvPr>
-          <p:cNvSpPr>
-            <a:spLocks noGrp="1"/>
-          </p:cNvSpPr>
-          <p:nvPr>
-            <p:ph type="body" sz="quarter" idx="15"/>
-          </p:nvPr>
-        </p:nvSpPr>
+              <a:t>Thank you</a:t>
+            </a:r>
+          </a:p>
+        </p:txBody>
+      </p:sp>
+      <p:pic>
+        <p:nvPicPr>
+          <p:cNvPr id="6" name="Picture Placeholder 5" descr="Photo of a bunch of clean artist paintbrushes">
+            <a:extLst>
+              <a:ext uri="{FF2B5EF4-FFF2-40B4-BE49-F238E27FC236}">
+                <a16:creationId xmlns:a16="http://schemas.microsoft.com/office/drawing/2014/main" id="{D7D1C07D-75DD-4A12-9C4C-A9C3E052A3D0}"/>
+              </a:ext>
+            </a:extLst>
+          </p:cNvPr>
+          <p:cNvPicPr>
+            <a:picLocks noGrp="1" noChangeAspect="1"/>
+          </p:cNvPicPr>
+          <p:nvPr>
+            <p:ph type="pic" sz="quarter" idx="13"/>
+          </p:nvPr>
+        </p:nvPicPr>
+        <p:blipFill rotWithShape="1">
+          <a:blip r:embed="rId2" cstate="screen">
+            <a:extLst>
+              <a:ext uri="{28A0092B-C50C-407E-A947-70E740481C1C}">
+                <a14:useLocalDpi xmlns:a14="http://schemas.microsoft.com/office/drawing/2010/main" val="0"/>
+              </a:ext>
+            </a:extLst>
+          </a:blip>
+          <a:srcRect/>
+          <a:stretch/>
+        </p:blipFill>
         <p:spPr>
           <a:xfrm>
-            <a:off x="1527175" y="3600450"/>
-            <a:ext cx="9144000" cy="2451100"/>
+            <a:off x="493776" y="484632"/>
+            <a:ext cx="11210544" cy="3191256"/>
           </a:xfrm>
         </p:spPr>
+      </p:pic>
+      <p:sp>
+        <p:nvSpPr>
+          <p:cNvPr id="3" name="Content Placeholder 2">
+            <a:extLst>
+              <a:ext uri="{FF2B5EF4-FFF2-40B4-BE49-F238E27FC236}">
+                <a16:creationId xmlns:a16="http://schemas.microsoft.com/office/drawing/2014/main" id="{02F80182-DF99-445E-8055-837D597C38A5}"/>
+              </a:ext>
+            </a:extLst>
+          </p:cNvPr>
+          <p:cNvSpPr>
+            <a:spLocks noGrp="1"/>
+          </p:cNvSpPr>
+          <p:nvPr>
+            <p:ph idx="1"/>
+          </p:nvPr>
+        </p:nvSpPr>
+        <p:spPr>
+          <a:xfrm>
+            <a:off x="6979133" y="3893770"/>
+            <a:ext cx="4377714" cy="2319306"/>
+          </a:xfrm>
+        </p:spPr>
         <p:txBody>
           <a:bodyPr/>
           <a:lstStyle/>
@@ -13935,13 +13854,93 @@
               <a:rPr lang="en-US" dirty="0"/>
               <a:t>Presenter name</a:t>
             </a:r>
+          </a:p>
+          <a:p>
+            <a:r>
+              <a:rPr lang="en-US" dirty="0"/>
+              <a:t>Email address</a:t>
+            </a:r>
+          </a:p>
+          <a:p>
+            <a:r>
+              <a:rPr lang="en-US" dirty="0"/>
+              <a:t>Website address</a:t>
+            </a:r>
+          </a:p>
+        </p:txBody>
+      </p:sp>
+      <p:sp>
+        <p:nvSpPr>
+          <p:cNvPr id="8" name="Footer Placeholder 7">
+            <a:extLst>
+              <a:ext uri="{FF2B5EF4-FFF2-40B4-BE49-F238E27FC236}">
+                <a16:creationId xmlns:a16="http://schemas.microsoft.com/office/drawing/2014/main" id="{F60FABF8-6F79-4985-A2FB-99DAD9E63042}"/>
+              </a:ext>
+            </a:extLst>
+          </p:cNvPr>
+          <p:cNvSpPr>
+            <a:spLocks noGrp="1"/>
+          </p:cNvSpPr>
+          <p:nvPr>
+            <p:ph type="ftr" sz="quarter" idx="11"/>
+          </p:nvPr>
+        </p:nvSpPr>
+        <p:spPr>
+          <a:xfrm>
+            <a:off x="4038600" y="6429375"/>
+            <a:ext cx="4114800" cy="365125"/>
+          </a:xfrm>
+        </p:spPr>
+        <p:txBody>
+          <a:bodyPr/>
+          <a:lstStyle/>
+          <a:p>
+            <a:r>
+              <a:rPr lang="en-US"/>
+              <a:t>SAMPLE FOOTER TEXT</a:t>
+            </a:r>
+          </a:p>
+        </p:txBody>
+      </p:sp>
+      <p:sp>
+        <p:nvSpPr>
+          <p:cNvPr id="9" name="Slide Number Placeholder 8">
+            <a:extLst>
+              <a:ext uri="{FF2B5EF4-FFF2-40B4-BE49-F238E27FC236}">
+                <a16:creationId xmlns:a16="http://schemas.microsoft.com/office/drawing/2014/main" id="{88A55AA7-3B73-477B-A886-58F8E99420E9}"/>
+              </a:ext>
+            </a:extLst>
+          </p:cNvPr>
+          <p:cNvSpPr>
+            <a:spLocks noGrp="1"/>
+          </p:cNvSpPr>
+          <p:nvPr>
+            <p:ph type="sldNum" sz="quarter" idx="12"/>
+          </p:nvPr>
+        </p:nvSpPr>
+        <p:spPr>
+          <a:xfrm>
+            <a:off x="8610600" y="6429375"/>
+            <a:ext cx="2743200" cy="365125"/>
+          </a:xfrm>
+        </p:spPr>
+        <p:txBody>
+          <a:bodyPr/>
+          <a:lstStyle/>
+          <a:p>
+            <a:fld id="{28844951-7827-47D4-8276-7DDE1FA7D85A}" type="slidenum">
+              <a:rPr lang="en-US" smtClean="0"/>
+              <a:pPr/>
+              <a:t>12</a:t>
+            </a:fld>
+            <a:endParaRPr lang="en-US"/>
           </a:p>
         </p:txBody>
       </p:sp>
     </p:spTree>
     <p:extLst>
       <p:ext uri="{BB962C8B-B14F-4D97-AF65-F5344CB8AC3E}">
-        <p14:creationId xmlns:p14="http://schemas.microsoft.com/office/powerpoint/2010/main" val="703580386"/>
+        <p14:creationId xmlns:p14="http://schemas.microsoft.com/office/powerpoint/2010/main" val="1510143952"/>
       </p:ext>
     </p:extLst>
   </p:cSld>
@@ -13951,7 +13950,7 @@
 </p:sld>
 </file>
 
-<file path=ppt/slides/slide23.xml><?xml version="1.0" encoding="utf-8"?>
+<file path=ppt/slides/slide2.xml><?xml version="1.0" encoding="utf-8"?>
 <p:sld xmlns:a="http://schemas.openxmlformats.org/drawingml/2006/main" xmlns:r="http://schemas.openxmlformats.org/officeDocument/2006/relationships" xmlns:p="http://schemas.openxmlformats.org/presentationml/2006/main">
   <p:cSld>
     <p:spTree>
@@ -14278,7 +14277,7 @@
 </p:sld>
 </file>
 
-<file path=ppt/slides/slide311.xml><?xml version="1.0" encoding="utf-8"?>
+<file path=ppt/slides/slide3.xml><?xml version="1.0" encoding="utf-8"?>
 <p:sld xmlns:a="http://schemas.openxmlformats.org/drawingml/2006/main" xmlns:r="http://schemas.openxmlformats.org/officeDocument/2006/relationships" xmlns:p="http://schemas.openxmlformats.org/presentationml/2006/main">
   <p:cSld>
     <p:spTree>
@@ -14546,7 +14545,7 @@
 </p:sld>
 </file>
 
-<file path=ppt/slides/slide49.xml><?xml version="1.0" encoding="utf-8"?>
+<file path=ppt/slides/slide4.xml><?xml version="1.0" encoding="utf-8"?>
 <p:sld xmlns:a="http://schemas.openxmlformats.org/drawingml/2006/main" xmlns:r="http://schemas.openxmlformats.org/officeDocument/2006/relationships" xmlns:p="http://schemas.openxmlformats.org/presentationml/2006/main">
   <p:cSld>
     <p:spTree>
@@ -14710,7 +14709,7 @@
 </p:sld>
 </file>
 
-<file path=ppt/slides/slide57.xml><?xml version="1.0" encoding="utf-8"?>
+<file path=ppt/slides/slide5.xml><?xml version="1.0" encoding="utf-8"?>
 <p:sld xmlns:a="http://schemas.openxmlformats.org/drawingml/2006/main" xmlns:r="http://schemas.openxmlformats.org/officeDocument/2006/relationships" xmlns:p="http://schemas.openxmlformats.org/presentationml/2006/main">
   <p:cSld>
     <p:spTree>
@@ -15296,7 +15295,7 @@
 </p:sld>
 </file>
 
-<file path=ppt/slides/slide64.xml><?xml version="1.0" encoding="utf-8"?>
+<file path=ppt/slides/slide6.xml><?xml version="1.0" encoding="utf-8"?>
 <p:sld xmlns:a="http://schemas.openxmlformats.org/drawingml/2006/main" xmlns:r="http://schemas.openxmlformats.org/officeDocument/2006/relationships" xmlns:p="http://schemas.openxmlformats.org/presentationml/2006/main">
   <p:cSld>
     <p:spTree>
@@ -15507,7 +15506,7 @@
 </p:sld>
 </file>
 
-<file path=ppt/slides/slide71.xml><?xml version="1.0" encoding="utf-8"?>
+<file path=ppt/slides/slide7.xml><?xml version="1.0" encoding="utf-8"?>
 <p:sld xmlns:a="http://schemas.openxmlformats.org/drawingml/2006/main" xmlns:r="http://schemas.openxmlformats.org/officeDocument/2006/relationships" xmlns:p="http://schemas.openxmlformats.org/presentationml/2006/main">
   <p:cSld>
     <p:spTree>
@@ -16045,7 +16044,7 @@
 </p:sld>
 </file>
 
-<file path=ppt/slides/slide812.xml><?xml version="1.0" encoding="utf-8"?>
+<file path=ppt/slides/slide8.xml><?xml version="1.0" encoding="utf-8"?>
 <p:sld xmlns:a="http://schemas.openxmlformats.org/drawingml/2006/main" xmlns:r="http://schemas.openxmlformats.org/officeDocument/2006/relationships" xmlns:p="http://schemas.openxmlformats.org/presentationml/2006/main">
   <p:cSld>
     <p:spTree>
@@ -16208,7 +16207,7 @@
 </p:sld>
 </file>
 
-<file path=ppt/slides/slide910.xml><?xml version="1.0" encoding="utf-8"?>
+<file path=ppt/slides/slide9.xml><?xml version="1.0" encoding="utf-8"?>
 <p:sld xmlns:a="http://schemas.openxmlformats.org/drawingml/2006/main" xmlns:r="http://schemas.openxmlformats.org/officeDocument/2006/relationships" xmlns:p="http://schemas.openxmlformats.org/presentationml/2006/main">
   <p:cSld>
     <p:spTree>
@@ -16506,7 +16505,7 @@
 </p:sld>
 </file>
 
-<file path=ppt/theme/theme11.xml><?xml version="1.0" encoding="utf-8"?>
+<file path=ppt/theme/theme1.xml><?xml version="1.0" encoding="utf-8"?>
 <a:theme xmlns:a="http://schemas.openxmlformats.org/drawingml/2006/main" name="LuminousVTI">
   <a:themeElements>
     <a:clrScheme name="Custom 54">
@@ -16707,7 +16706,7 @@
 </a:theme>
 </file>
 
-<file path=ppt/theme/theme23.xml><?xml version="1.0" encoding="utf-8"?>
+<file path=ppt/theme/theme2.xml><?xml version="1.0" encoding="utf-8"?>
 <a:theme xmlns:a="http://schemas.openxmlformats.org/drawingml/2006/main" name="Office Theme">
   <a:themeElements>
     <a:clrScheme name="Office">
@@ -17002,7 +17001,7 @@
 </a:theme>
 </file>
 
-<file path=ppt/theme/theme32.xml><?xml version="1.0" encoding="utf-8"?>
+<file path=ppt/theme/theme3.xml><?xml version="1.0" encoding="utf-8"?>
 <a:theme xmlns:a="http://schemas.openxmlformats.org/drawingml/2006/main" name="Office Theme">
   <a:themeElements>
     <a:clrScheme name="Office">
@@ -17297,7 +17296,16 @@
 </a:theme>
 </file>
 
-<file path=customXml/item12.xml><?xml version="1.0" encoding="utf-8"?>
+<file path=customXml/item1.xml><?xml version="1.0" encoding="utf-8"?>
+<?mso-contentType ?>
+<FormTemplates xmlns="http://schemas.microsoft.com/sharepoint/v3/contenttype/forms">
+  <Display>DocumentLibraryForm</Display>
+  <Edit>DocumentLibraryForm</Edit>
+  <New>DocumentLibraryForm</New>
+</FormTemplates>
+</file>
+
+<file path=customXml/item2.xml><?xml version="1.0" encoding="utf-8"?>
 <ct:contentTypeSchema xmlns:ct="http://schemas.microsoft.com/office/2006/metadata/contentType" xmlns:ma="http://schemas.microsoft.com/office/2006/metadata/properties/metaAttributes" ct:_="" ma:_="" ma:contentTypeName="Document" ma:contentTypeID="0x01010079F111ED35F8CC479449609E8A0923A6" ma:contentTypeVersion="18" ma:contentTypeDescription="Create a new document." ma:contentTypeScope="" ma:versionID="22a266b9fa9a230c5a512669d8b298c3">
   <xsd:schema xmlns:xsd="http://www.w3.org/2001/XMLSchema" xmlns:xs="http://www.w3.org/2001/XMLSchema" xmlns:p="http://schemas.microsoft.com/office/2006/metadata/properties" xmlns:ns1="http://schemas.microsoft.com/sharepoint/v3" xmlns:ns2="71af3243-3dd4-4a8d-8c0d-dd76da1f02a5" xmlns:ns3="16c05727-aa75-4e4a-9b5f-8a80a1165891" xmlns:ns4="230e9df3-be65-4c73-a93b-d1236ebd677e" targetNamespace="http://schemas.microsoft.com/office/2006/metadata/properties" ma:root="true" ma:fieldsID="eddc33fff6b14141ee5c74a0d29ea6a1" ns1:_="" ns2:_="" ns3:_="" ns4:_="">
     <xsd:import namespace="http://schemas.microsoft.com/sharepoint/v3"/>
@@ -17573,16 +17581,7 @@
 </ct:contentTypeSchema>
 </file>
 
-<file path=customXml/item2.xml><?xml version="1.0" encoding="utf-8"?>
-<?mso-contentType ?>
-<FormTemplates xmlns="http://schemas.microsoft.com/sharepoint/v3/contenttype/forms">
-  <Display>DocumentLibraryForm</Display>
-  <Edit>DocumentLibraryForm</Edit>
-  <New>DocumentLibraryForm</New>
-</FormTemplates>
-</file>
-
-<file path=customXml/item33.xml><?xml version="1.0" encoding="utf-8"?>
+<file path=customXml/item3.xml><?xml version="1.0" encoding="utf-8"?>
 <p:properties xmlns:p="http://schemas.microsoft.com/office/2006/metadata/properties" xmlns:xsi="http://www.w3.org/2001/XMLSchema-instance" xmlns:pc="http://schemas.microsoft.com/office/infopath/2007/PartnerControls">
   <documentManagement>
     <Status xmlns="71af3243-3dd4-4a8d-8c0d-dd76da1f02a5">Not started</Status>
@@ -17601,14 +17600,43 @@
 </p:properties>
 </file>
 
-<file path=customXml/itemProps12.xml><?xml version="1.0" encoding="utf-8"?>
-<ds:datastoreItem xmlns:ds="http://schemas.openxmlformats.org/officeDocument/2006/customXml" ds:itemID="{C4F9A873-407D-42B0-99B8-A577ED76CAD4}"/>
+<file path=customXml/itemProps1.xml><?xml version="1.0" encoding="utf-8"?>
+<ds:datastoreItem xmlns:ds="http://schemas.openxmlformats.org/officeDocument/2006/customXml" ds:itemID="{1F887BEC-12B5-41C3-87A8-94840B217273}">
+  <ds:schemaRefs>
+    <ds:schemaRef ds:uri="http://schemas.microsoft.com/sharepoint/v3/contenttype/forms"/>
+  </ds:schemaRefs>
+</ds:datastoreItem>
 </file>
 
-<file path=customXml/itemProps21.xml><?xml version="1.0" encoding="utf-8"?>
-<ds:datastoreItem xmlns:ds="http://schemas.openxmlformats.org/officeDocument/2006/customXml" ds:itemID="{1F887BEC-12B5-41C3-87A8-94840B217273}"/>
+<file path=customXml/itemProps2.xml><?xml version="1.0" encoding="utf-8"?>
+<ds:datastoreItem xmlns:ds="http://schemas.openxmlformats.org/officeDocument/2006/customXml" ds:itemID="{C4F9A873-407D-42B0-99B8-A577ED76CAD4}">
+  <ds:schemaRefs>
+    <ds:schemaRef ds:uri="http://schemas.microsoft.com/office/2006/metadata/contentType"/>
+    <ds:schemaRef ds:uri="http://schemas.microsoft.com/office/2006/metadata/properties/metaAttributes"/>
+    <ds:schemaRef ds:uri="http://www.w3.org/2001/XMLSchema"/>
+    <ds:schemaRef ds:uri="http://schemas.microsoft.com/office/2006/metadata/properties"/>
+    <ds:schemaRef ds:uri="http://schemas.microsoft.com/sharepoint/v3"/>
+    <ds:schemaRef ds:uri="71af3243-3dd4-4a8d-8c0d-dd76da1f02a5"/>
+    <ds:schemaRef ds:uri="16c05727-aa75-4e4a-9b5f-8a80a1165891"/>
+    <ds:schemaRef ds:uri="230e9df3-be65-4c73-a93b-d1236ebd677e"/>
+    <ds:schemaRef ds:uri="http://schemas.microsoft.com/office/2006/documentManagement/types"/>
+    <ds:schemaRef ds:uri="http://schemas.microsoft.com/office/infopath/2007/PartnerControls"/>
+    <ds:schemaRef ds:uri="http://schemas.openxmlformats.org/package/2006/metadata/core-properties"/>
+    <ds:schemaRef ds:uri="http://purl.org/dc/elements/1.1/"/>
+    <ds:schemaRef ds:uri="http://purl.org/dc/terms/"/>
+    <ds:schemaRef ds:uri="http://schemas.microsoft.com/internal/obd"/>
+  </ds:schemaRefs>
+</ds:datastoreItem>
 </file>
 
-<file path=customXml/itemProps33.xml><?xml version="1.0" encoding="utf-8"?>
-<ds:datastoreItem xmlns:ds="http://schemas.openxmlformats.org/officeDocument/2006/customXml" ds:itemID="{7A22E404-1C8D-48DE-80FC-4CA5DFE37C32}"/>
+<file path=customXml/itemProps3.xml><?xml version="1.0" encoding="utf-8"?>
+<ds:datastoreItem xmlns:ds="http://schemas.openxmlformats.org/officeDocument/2006/customXml" ds:itemID="{7A22E404-1C8D-48DE-80FC-4CA5DFE37C32}">
+  <ds:schemaRefs>
+    <ds:schemaRef ds:uri="http://schemas.microsoft.com/office/2006/metadata/properties"/>
+    <ds:schemaRef ds:uri="http://schemas.microsoft.com/office/infopath/2007/PartnerControls"/>
+    <ds:schemaRef ds:uri="71af3243-3dd4-4a8d-8c0d-dd76da1f02a5"/>
+    <ds:schemaRef ds:uri="http://schemas.microsoft.com/sharepoint/v3"/>
+    <ds:schemaRef ds:uri="230e9df3-be65-4c73-a93b-d1236ebd677e"/>
+  </ds:schemaRefs>
+</ds:datastoreItem>
 </file>